--- a/Slides.pptx
+++ b/Slides.pptx
@@ -6,13 +6,16 @@
     <p:sldMasterId id="2147483702" r:id="rId4"/>
   </p:sldMasterIdLst>
   <p:notesMasterIdLst>
-    <p:notesMasterId r:id="rId9"/>
+    <p:notesMasterId r:id="rId12"/>
   </p:notesMasterIdLst>
   <p:sldIdLst>
     <p:sldId id="256" r:id="rId5"/>
     <p:sldId id="257" r:id="rId6"/>
-    <p:sldId id="258" r:id="rId7"/>
-    <p:sldId id="264" r:id="rId8"/>
+    <p:sldId id="265" r:id="rId7"/>
+    <p:sldId id="266" r:id="rId8"/>
+    <p:sldId id="267" r:id="rId9"/>
+    <p:sldId id="258" r:id="rId10"/>
+    <p:sldId id="264" r:id="rId11"/>
   </p:sldIdLst>
   <p:sldSz cx="9144000" cy="5145088"/>
   <p:notesSz cx="6858000" cy="9144000"/>
@@ -215,7 +218,7 @@
           <a:p>
             <a:fld id="{FA8F02CA-77CB-4E54-B712-21E588799EE8}" type="datetimeFigureOut">
               <a:rPr lang="de-DE" smtClean="0"/>
-              <a:t>21.10.2024</a:t>
+              <a:t>04.02.2026</a:t>
             </a:fld>
             <a:endParaRPr lang="de-DE"/>
           </a:p>
@@ -373,7 +376,7 @@
           <a:p>
             <a:fld id="{E13F729A-0AF0-4995-B32B-9504BC68960C}" type="slidenum">
               <a:rPr lang="de-DE" smtClean="0"/>
-              <a:t>‹Nr.›</a:t>
+              <a:t>‹#›</a:t>
             </a:fld>
             <a:endParaRPr lang="de-DE"/>
           </a:p>
@@ -547,7 +550,7 @@
           <a:p>
             <a:fld id="{E13F729A-0AF0-4995-B32B-9504BC68960C}" type="slidenum">
               <a:rPr lang="de-DE" smtClean="0"/>
-              <a:t>4</a:t>
+              <a:t>7</a:t>
             </a:fld>
             <a:endParaRPr lang="de-DE"/>
           </a:p>
@@ -1369,7 +1372,7 @@
           <a:p>
             <a:fld id="{D57FD1C5-5482-48CC-8E60-E26FD7B6F77D}" type="datetime1">
               <a:rPr lang="de-DE" smtClean="0"/>
-              <a:t>21.10.2024</a:t>
+              <a:t>04.02.2026</a:t>
             </a:fld>
             <a:endParaRPr lang="en-US" dirty="0"/>
           </a:p>
@@ -1415,7 +1418,7 @@
             <a:fld id="{8C23DAB3-89BF-4980-89CA-7BF97B22868B}" type="slidenum">
               <a:rPr lang="en-US" smtClean="0"/>
               <a:pPr/>
-              <a:t>‹Nr.›</a:t>
+              <a:t>‹#›</a:t>
             </a:fld>
             <a:endParaRPr lang="en-US" dirty="0"/>
           </a:p>
@@ -1593,7 +1596,7 @@
           <a:p>
             <a:fld id="{1AD860F7-2B1B-4995-8166-327E72A984C0}" type="datetime1">
               <a:rPr lang="de-DE" smtClean="0"/>
-              <a:t>21.10.2024</a:t>
+              <a:t>04.02.2026</a:t>
             </a:fld>
             <a:endParaRPr lang="en-US" dirty="0"/>
           </a:p>
@@ -1639,7 +1642,7 @@
             <a:fld id="{8C23DAB3-89BF-4980-89CA-7BF97B22868B}" type="slidenum">
               <a:rPr lang="en-US" smtClean="0"/>
               <a:pPr/>
-              <a:t>‹Nr.›</a:t>
+              <a:t>‹#›</a:t>
             </a:fld>
             <a:endParaRPr lang="en-US" dirty="0"/>
           </a:p>
@@ -1854,7 +1857,7 @@
           <a:p>
             <a:fld id="{9B09DECB-67D6-48BF-893A-F98964382BB9}" type="datetime1">
               <a:rPr lang="de-DE" smtClean="0"/>
-              <a:t>21.10.2024</a:t>
+              <a:t>04.02.2026</a:t>
             </a:fld>
             <a:endParaRPr lang="en-US" dirty="0"/>
           </a:p>
@@ -1900,7 +1903,7 @@
             <a:fld id="{8C23DAB3-89BF-4980-89CA-7BF97B22868B}" type="slidenum">
               <a:rPr lang="en-US" smtClean="0"/>
               <a:pPr/>
-              <a:t>‹Nr.›</a:t>
+              <a:t>‹#›</a:t>
             </a:fld>
             <a:endParaRPr lang="en-US" dirty="0"/>
           </a:p>
@@ -2120,7 +2123,7 @@
           <a:p>
             <a:fld id="{F8AC57F5-FED6-46DF-8487-CAF45E5F710F}" type="datetime1">
               <a:rPr lang="de-DE" smtClean="0"/>
-              <a:t>21.10.2024</a:t>
+              <a:t>04.02.2026</a:t>
             </a:fld>
             <a:endParaRPr lang="en-US" dirty="0"/>
           </a:p>
@@ -2166,7 +2169,7 @@
             <a:fld id="{8C23DAB3-89BF-4980-89CA-7BF97B22868B}" type="slidenum">
               <a:rPr lang="en-US" smtClean="0"/>
               <a:pPr/>
-              <a:t>‹Nr.›</a:t>
+              <a:t>‹#›</a:t>
             </a:fld>
             <a:endParaRPr lang="en-US" dirty="0"/>
           </a:p>
@@ -2960,7 +2963,7 @@
           <a:p>
             <a:fld id="{78AABD3F-4165-4346-AB92-84034D4E481A}" type="datetime1">
               <a:rPr lang="de-DE" smtClean="0"/>
-              <a:t>21.10.2024</a:t>
+              <a:t>04.02.2026</a:t>
             </a:fld>
             <a:endParaRPr lang="en-US" dirty="0"/>
           </a:p>
@@ -3195,7 +3198,7 @@
           <a:p>
             <a:fld id="{A1058CAD-93E9-4B3F-918F-B1DA315C574F}" type="datetime1">
               <a:rPr lang="de-DE" smtClean="0"/>
-              <a:t>21.10.2024</a:t>
+              <a:t>04.02.2026</a:t>
             </a:fld>
             <a:endParaRPr lang="en-US" dirty="0"/>
           </a:p>
@@ -3718,7 +3721,7 @@
           <a:p>
             <a:fld id="{7839989C-8337-4B3F-BC9B-4028F92EC145}" type="datetime1">
               <a:rPr lang="de-DE" smtClean="0"/>
-              <a:t>21.10.2024</a:t>
+              <a:t>04.02.2026</a:t>
             </a:fld>
             <a:endParaRPr lang="en-US" dirty="0"/>
           </a:p>
@@ -4087,7 +4090,7 @@
           <a:p>
             <a:fld id="{27367F92-270F-406B-B841-5D4E74FCBCD8}" type="datetime1">
               <a:rPr lang="de-DE" smtClean="0"/>
-              <a:t>21.10.2024</a:t>
+              <a:t>04.02.2026</a:t>
             </a:fld>
             <a:endParaRPr lang="en-US" dirty="0"/>
           </a:p>
@@ -4133,7 +4136,7 @@
             <a:fld id="{7B8BC8D9-C84B-4CCA-85C1-6EFF33C910DB}" type="slidenum">
               <a:rPr lang="en-US" smtClean="0"/>
               <a:pPr/>
-              <a:t>‹Nr.›</a:t>
+              <a:t>‹#›</a:t>
             </a:fld>
             <a:endParaRPr lang="en-US" dirty="0"/>
           </a:p>
@@ -4269,7 +4272,7 @@
           <a:p>
             <a:fld id="{06BDB946-D2CB-48AC-BD1B-C1350556D410}" type="datetime1">
               <a:rPr lang="de-DE" smtClean="0"/>
-              <a:t>21.10.2024</a:t>
+              <a:t>04.02.2026</a:t>
             </a:fld>
             <a:endParaRPr lang="en-US" dirty="0"/>
           </a:p>
@@ -4299,7 +4302,7 @@
             <a:fld id="{8C23DAB3-89BF-4980-89CA-7BF97B22868B}" type="slidenum">
               <a:rPr lang="en-US" smtClean="0"/>
               <a:pPr/>
-              <a:t>‹Nr.›</a:t>
+              <a:t>‹#›</a:t>
             </a:fld>
             <a:endParaRPr lang="en-US" dirty="0"/>
           </a:p>
@@ -4449,7 +4452,7 @@
           <a:p>
             <a:fld id="{7093DF1E-B8F1-42C9-B833-3E34B4EBF48A}" type="datetime1">
               <a:rPr lang="de-DE" smtClean="0"/>
-              <a:t>21.10.2024</a:t>
+              <a:t>04.02.2026</a:t>
             </a:fld>
             <a:endParaRPr lang="en-US" dirty="0"/>
           </a:p>
@@ -4769,7 +4772,7 @@
           <a:p>
             <a:fld id="{B7300820-224E-410F-B3E6-FB525C641AF6}" type="datetime1">
               <a:rPr lang="de-DE" smtClean="0"/>
-              <a:t>21.10.2024</a:t>
+              <a:t>04.02.2026</a:t>
             </a:fld>
             <a:endParaRPr lang="en-US" dirty="0"/>
           </a:p>
@@ -4815,7 +4818,7 @@
             <a:fld id="{8C23DAB3-89BF-4980-89CA-7BF97B22868B}" type="slidenum">
               <a:rPr lang="en-US" smtClean="0"/>
               <a:pPr/>
-              <a:t>‹Nr.›</a:t>
+              <a:t>‹#›</a:t>
             </a:fld>
             <a:endParaRPr lang="en-US" dirty="0"/>
           </a:p>
@@ -5265,7 +5268,7 @@
           <a:p>
             <a:fld id="{14E02FAB-04B9-4F69-92B2-0CE568277FC9}" type="datetime1">
               <a:rPr lang="de-DE" smtClean="0"/>
-              <a:t>21.10.2024</a:t>
+              <a:t>04.02.2026</a:t>
             </a:fld>
             <a:endParaRPr lang="en-US" dirty="0"/>
           </a:p>
@@ -5311,7 +5314,7 @@
             <a:fld id="{8C23DAB3-89BF-4980-89CA-7BF97B22868B}" type="slidenum">
               <a:rPr lang="en-US" smtClean="0"/>
               <a:pPr/>
-              <a:t>‹Nr.›</a:t>
+              <a:t>‹#›</a:t>
             </a:fld>
             <a:endParaRPr lang="en-US" dirty="0"/>
           </a:p>
@@ -5592,7 +5595,7 @@
           <a:p>
             <a:fld id="{97364081-8591-4681-B29B-3E882FC525CC}" type="datetime1">
               <a:rPr lang="de-DE" smtClean="0"/>
-              <a:t>21.10.2024</a:t>
+              <a:t>04.02.2026</a:t>
             </a:fld>
             <a:endParaRPr lang="en-US" dirty="0"/>
           </a:p>
@@ -5638,7 +5641,7 @@
             <a:fld id="{8C23DAB3-89BF-4980-89CA-7BF97B22868B}" type="slidenum">
               <a:rPr lang="en-US" smtClean="0"/>
               <a:pPr/>
-              <a:t>‹Nr.›</a:t>
+              <a:t>‹#›</a:t>
             </a:fld>
             <a:endParaRPr lang="en-US" dirty="0"/>
           </a:p>
@@ -5816,7 +5819,7 @@
           <a:p>
             <a:fld id="{4AC08F54-256C-494F-BF8B-A2AC274543A3}" type="datetime1">
               <a:rPr lang="de-DE" smtClean="0"/>
-              <a:t>21.10.2024</a:t>
+              <a:t>04.02.2026</a:t>
             </a:fld>
             <a:endParaRPr lang="en-US" dirty="0"/>
           </a:p>
@@ -5862,7 +5865,7 @@
             <a:fld id="{8C23DAB3-89BF-4980-89CA-7BF97B22868B}" type="slidenum">
               <a:rPr lang="en-US" smtClean="0"/>
               <a:pPr/>
-              <a:t>‹Nr.›</a:t>
+              <a:t>‹#›</a:t>
             </a:fld>
             <a:endParaRPr lang="en-US" dirty="0"/>
           </a:p>
@@ -6077,7 +6080,7 @@
           <a:p>
             <a:fld id="{2199154D-DF3C-4A74-A20C-A8480B658BFE}" type="datetime1">
               <a:rPr lang="de-DE" smtClean="0"/>
-              <a:t>21.10.2024</a:t>
+              <a:t>04.02.2026</a:t>
             </a:fld>
             <a:endParaRPr lang="en-US" dirty="0"/>
           </a:p>
@@ -6123,7 +6126,7 @@
             <a:fld id="{8C23DAB3-89BF-4980-89CA-7BF97B22868B}" type="slidenum">
               <a:rPr lang="en-US" smtClean="0"/>
               <a:pPr/>
-              <a:t>‹Nr.›</a:t>
+              <a:t>‹#›</a:t>
             </a:fld>
             <a:endParaRPr lang="en-US" dirty="0"/>
           </a:p>
@@ -6343,7 +6346,7 @@
           <a:p>
             <a:fld id="{51EFD8A8-BE2C-4630-9516-263089A3BFAD}" type="datetime1">
               <a:rPr lang="de-DE" smtClean="0"/>
-              <a:t>21.10.2024</a:t>
+              <a:t>04.02.2026</a:t>
             </a:fld>
             <a:endParaRPr lang="en-US" dirty="0"/>
           </a:p>
@@ -6389,7 +6392,7 @@
             <a:fld id="{8C23DAB3-89BF-4980-89CA-7BF97B22868B}" type="slidenum">
               <a:rPr lang="en-US" smtClean="0"/>
               <a:pPr/>
-              <a:t>‹Nr.›</a:t>
+              <a:t>‹#›</a:t>
             </a:fld>
             <a:endParaRPr lang="en-US" dirty="0"/>
           </a:p>
@@ -6555,7 +6558,7 @@
           <a:p>
             <a:fld id="{2A13EDC8-52DD-4780-83D3-7E91351A7EA8}" type="datetime1">
               <a:rPr lang="de-DE" smtClean="0"/>
-              <a:t>21.10.2024</a:t>
+              <a:t>04.02.2026</a:t>
             </a:fld>
             <a:endParaRPr lang="en-US" dirty="0"/>
           </a:p>
@@ -7114,7 +7117,7 @@
           <a:p>
             <a:fld id="{619BA1B7-32B7-4C1C-B915-6EB270642BF1}" type="datetime1">
               <a:rPr lang="de-DE" smtClean="0"/>
-              <a:t>21.10.2024</a:t>
+              <a:t>04.02.2026</a:t>
             </a:fld>
             <a:endParaRPr lang="en-US" dirty="0"/>
           </a:p>
@@ -7565,7 +7568,7 @@
           <a:p>
             <a:fld id="{9313F20B-96D9-45BB-B1CA-45E0AB0166BB}" type="datetime1">
               <a:rPr lang="de-DE" smtClean="0"/>
-              <a:t>21.10.2024</a:t>
+              <a:t>04.02.2026</a:t>
             </a:fld>
             <a:endParaRPr lang="en-US" dirty="0"/>
           </a:p>
@@ -7992,7 +7995,7 @@
           <a:p>
             <a:fld id="{04A66A9B-F14E-44D7-B7C5-4A294262C4A7}" type="datetime1">
               <a:rPr lang="de-DE" smtClean="0"/>
-              <a:t>21.10.2024</a:t>
+              <a:t>04.02.2026</a:t>
             </a:fld>
             <a:endParaRPr lang="en-US" dirty="0"/>
           </a:p>
@@ -8038,7 +8041,7 @@
             <a:fld id="{8C23DAB3-89BF-4980-89CA-7BF97B22868B}" type="slidenum">
               <a:rPr lang="en-US" smtClean="0"/>
               <a:pPr/>
-              <a:t>‹Nr.›</a:t>
+              <a:t>‹#›</a:t>
             </a:fld>
             <a:endParaRPr lang="en-US" dirty="0"/>
           </a:p>
@@ -8174,7 +8177,7 @@
           <a:p>
             <a:fld id="{BE7BB122-9C59-4D43-A3C4-192978D0BD6B}" type="datetime1">
               <a:rPr lang="de-DE" smtClean="0"/>
-              <a:t>21.10.2024</a:t>
+              <a:t>04.02.2026</a:t>
             </a:fld>
             <a:endParaRPr lang="en-US" dirty="0"/>
           </a:p>
@@ -8204,7 +8207,7 @@
             <a:fld id="{8C23DAB3-89BF-4980-89CA-7BF97B22868B}" type="slidenum">
               <a:rPr lang="en-US" smtClean="0"/>
               <a:pPr/>
-              <a:t>‹Nr.›</a:t>
+              <a:t>‹#›</a:t>
             </a:fld>
             <a:endParaRPr lang="en-US" dirty="0"/>
           </a:p>
@@ -8403,7 +8406,7 @@
           <a:p>
             <a:fld id="{C15AAC00-8E0C-4B1B-A4AF-A1DA63AE6355}" type="datetime1">
               <a:rPr lang="de-DE" smtClean="0"/>
-              <a:t>21.10.2024</a:t>
+              <a:t>04.02.2026</a:t>
             </a:fld>
             <a:endParaRPr lang="en-US" dirty="0"/>
           </a:p>
@@ -8449,7 +8452,7 @@
             <a:fld id="{8C23DAB3-89BF-4980-89CA-7BF97B22868B}" type="slidenum">
               <a:rPr lang="en-US" smtClean="0"/>
               <a:pPr/>
-              <a:t>‹Nr.›</a:t>
+              <a:t>‹#›</a:t>
             </a:fld>
             <a:endParaRPr lang="en-US" dirty="0"/>
           </a:p>
@@ -8899,7 +8902,7 @@
           <a:p>
             <a:fld id="{17094862-1133-48DF-A855-D609FEB942DB}" type="datetime1">
               <a:rPr lang="de-DE" smtClean="0"/>
-              <a:t>21.10.2024</a:t>
+              <a:t>04.02.2026</a:t>
             </a:fld>
             <a:endParaRPr lang="en-US" dirty="0"/>
           </a:p>
@@ -8945,7 +8948,7 @@
             <a:fld id="{8C23DAB3-89BF-4980-89CA-7BF97B22868B}" type="slidenum">
               <a:rPr lang="en-US" smtClean="0"/>
               <a:pPr/>
-              <a:t>‹Nr.›</a:t>
+              <a:t>‹#›</a:t>
             </a:fld>
             <a:endParaRPr lang="en-US" dirty="0"/>
           </a:p>
@@ -9250,7 +9253,7 @@
           <a:p>
             <a:fld id="{2A0B2085-A16F-48E4-A967-9023A838406F}" type="datetime1">
               <a:rPr lang="de-DE" smtClean="0"/>
-              <a:t>21.10.2024</a:t>
+              <a:t>04.02.2026</a:t>
             </a:fld>
             <a:endParaRPr lang="en-US" dirty="0"/>
           </a:p>
@@ -9296,7 +9299,7 @@
             <a:fld id="{8C23DAB3-89BF-4980-89CA-7BF97B22868B}" type="slidenum">
               <a:rPr lang="en-US" smtClean="0"/>
               <a:pPr/>
-              <a:t>‹Nr.›</a:t>
+              <a:t>‹#›</a:t>
             </a:fld>
             <a:endParaRPr lang="en-US" dirty="0"/>
           </a:p>
@@ -9344,6 +9347,55 @@
               <a:t>Prof. Mike Barth || Name 2 || Projekt || Anlass</a:t>
             </a:r>
             <a:endParaRPr lang="de-DE" dirty="0"/>
+          </a:p>
+        </p:txBody>
+      </p:sp>
+      <p:sp>
+        <p:nvSpPr>
+          <p:cNvPr id="5" name="TextBox 4">
+            <a:extLst>
+              <a:ext uri="{FF2B5EF4-FFF2-40B4-BE49-F238E27FC236}">
+                <a16:creationId xmlns:a16="http://schemas.microsoft.com/office/drawing/2014/main" id="{B31B6DE9-DDA8-B0E2-50C8-F5A203E16D90}"/>
+              </a:ext>
+            </a:extLst>
+          </p:cNvPr>
+          <p:cNvSpPr txBox="1"/>
+          <p:nvPr userDrawn="1">
+            <p:extLst>
+              <p:ext uri="{1162E1C5-73C7-4A58-AE30-91384D911F3F}">
+                <p184:classification xmlns:p184="http://schemas.microsoft.com/office/powerpoint/2018/4/main" val="ftr"/>
+              </p:ext>
+            </p:extLst>
+          </p:nvPr>
+        </p:nvSpPr>
+        <p:spPr>
+          <a:xfrm>
+            <a:off x="63500" y="4959668"/>
+            <a:ext cx="531813" cy="121920"/>
+          </a:xfrm>
+          <a:prstGeom prst="rect">
+            <a:avLst/>
+          </a:prstGeom>
+        </p:spPr>
+        <p:txBody>
+          <a:bodyPr horzOverflow="overflow" lIns="0" tIns="0" rIns="0" bIns="0">
+            <a:spAutoFit/>
+          </a:bodyPr>
+          <a:lstStyle/>
+          <a:p>
+            <a:pPr algn="l"/>
+            <a:r>
+              <a:rPr lang="en-GB" sz="800">
+                <a:solidFill>
+                  <a:srgbClr val="000000">
+                    <a:alpha val="50000"/>
+                  </a:srgbClr>
+                </a:solidFill>
+                <a:latin typeface="Arial" panose="020B0604020202020204" pitchFamily="34" charset="0"/>
+                <a:cs typeface="Arial" panose="020B0604020202020204" pitchFamily="34" charset="0"/>
+              </a:rPr>
+              <a:t>INTERNAL</a:t>
+            </a:r>
           </a:p>
         </p:txBody>
       </p:sp>
@@ -9909,7 +9961,7 @@
           <a:p>
             <a:fld id="{A3CD3AEF-3D4F-4D92-A66C-D1ACDD8C0850}" type="datetime1">
               <a:rPr lang="de-DE" smtClean="0"/>
-              <a:t>21.10.2024</a:t>
+              <a:t>04.02.2026</a:t>
             </a:fld>
             <a:endParaRPr lang="en-US" dirty="0"/>
           </a:p>
@@ -9955,7 +10007,7 @@
             <a:fld id="{8C23DAB3-89BF-4980-89CA-7BF97B22868B}" type="slidenum">
               <a:rPr lang="en-US" smtClean="0"/>
               <a:pPr/>
-              <a:t>‹Nr.›</a:t>
+              <a:t>‹#›</a:t>
             </a:fld>
             <a:endParaRPr lang="en-US" dirty="0"/>
           </a:p>
@@ -10043,6 +10095,55 @@
           </a:prstGeom>
         </p:spPr>
       </p:pic>
+      <p:sp>
+        <p:nvSpPr>
+          <p:cNvPr id="5" name="TextBox 4">
+            <a:extLst>
+              <a:ext uri="{FF2B5EF4-FFF2-40B4-BE49-F238E27FC236}">
+                <a16:creationId xmlns:a16="http://schemas.microsoft.com/office/drawing/2014/main" id="{851317A4-982A-57F1-76F1-BB9DCCF4DED3}"/>
+              </a:ext>
+            </a:extLst>
+          </p:cNvPr>
+          <p:cNvSpPr txBox="1"/>
+          <p:nvPr userDrawn="1">
+            <p:extLst>
+              <p:ext uri="{1162E1C5-73C7-4A58-AE30-91384D911F3F}">
+                <p184:classification xmlns:p184="http://schemas.microsoft.com/office/powerpoint/2018/4/main" val="ftr"/>
+              </p:ext>
+            </p:extLst>
+          </p:nvPr>
+        </p:nvSpPr>
+        <p:spPr>
+          <a:xfrm>
+            <a:off x="63500" y="4959668"/>
+            <a:ext cx="531813" cy="121920"/>
+          </a:xfrm>
+          <a:prstGeom prst="rect">
+            <a:avLst/>
+          </a:prstGeom>
+        </p:spPr>
+        <p:txBody>
+          <a:bodyPr horzOverflow="overflow" lIns="0" tIns="0" rIns="0" bIns="0">
+            <a:spAutoFit/>
+          </a:bodyPr>
+          <a:lstStyle/>
+          <a:p>
+            <a:pPr algn="l"/>
+            <a:r>
+              <a:rPr lang="en-GB" sz="800">
+                <a:solidFill>
+                  <a:srgbClr val="000000">
+                    <a:alpha val="50000"/>
+                  </a:srgbClr>
+                </a:solidFill>
+                <a:latin typeface="Arial" panose="020B0604020202020204" pitchFamily="34" charset="0"/>
+                <a:cs typeface="Arial" panose="020B0604020202020204" pitchFamily="34" charset="0"/>
+              </a:rPr>
+              <a:t>INTERNAL</a:t>
+            </a:r>
+          </a:p>
+        </p:txBody>
+      </p:sp>
     </p:spTree>
     <p:extLst>
       <p:ext uri="{BB962C8B-B14F-4D97-AF65-F5344CB8AC3E}">
@@ -10426,7 +10527,12 @@
             <p:ph type="body" sz="quarter" idx="11"/>
           </p:nvPr>
         </p:nvSpPr>
-        <p:spPr/>
+        <p:spPr>
+          <a:xfrm>
+            <a:off x="337309" y="1324220"/>
+            <a:ext cx="8465345" cy="879414"/>
+          </a:xfrm>
+        </p:spPr>
         <p:txBody>
           <a:bodyPr>
             <a:normAutofit/>
@@ -10434,15 +10540,10 @@
           <a:lstStyle/>
           <a:p>
             <a:r>
-              <a:rPr lang="de-DE" dirty="0"/>
-              <a:t>Titel (26pt) </a:t>
-            </a:r>
-          </a:p>
-          <a:p>
-            <a:r>
-              <a:rPr lang="de-DE" dirty="0"/>
-              <a:t>auch zweizeilig möglich</a:t>
-            </a:r>
+              <a:rPr lang="de-DE" altLang="de-DE" dirty="0"/>
+              <a:t>EV Range Simulation</a:t>
+            </a:r>
+            <a:endParaRPr lang="de-DE" dirty="0"/>
           </a:p>
         </p:txBody>
       </p:sp>
@@ -10462,15 +10563,24 @@
             <p:ph type="body" sz="quarter" idx="13"/>
           </p:nvPr>
         </p:nvSpPr>
-        <p:spPr/>
-        <p:txBody>
-          <a:bodyPr/>
+        <p:spPr>
+          <a:xfrm>
+            <a:off x="337309" y="1807687"/>
+            <a:ext cx="8608283" cy="509905"/>
+          </a:xfrm>
+        </p:spPr>
+        <p:txBody>
+          <a:bodyPr>
+            <a:normAutofit/>
+          </a:bodyPr>
           <a:lstStyle/>
           <a:p>
-            <a:r>
-              <a:rPr lang="de-DE" dirty="0"/>
-              <a:t>Untertitel</a:t>
-            </a:r>
+            <a:pPr lvl="0"/>
+            <a:r>
+              <a:rPr lang="en-US" dirty="0"/>
+              <a:t>Enabling Efficient EV Battery Development Through Digital Twin Simulation</a:t>
+            </a:r>
+            <a:endParaRPr lang="de-DE" altLang="de-DE" dirty="0"/>
           </a:p>
         </p:txBody>
       </p:sp>
@@ -10591,7 +10701,7 @@
           <a:p>
             <a:fld id="{7C5A274E-F0BE-4B67-AC97-B4B8554759FA}" type="datetime1">
               <a:rPr lang="de-DE" smtClean="0"/>
-              <a:t>21.10.2024</a:t>
+              <a:t>04.02.2026</a:t>
             </a:fld>
             <a:endParaRPr lang="en-US" dirty="0"/>
           </a:p>
@@ -10688,68 +10798,10 @@
       </p:grpSpPr>
       <p:sp>
         <p:nvSpPr>
-          <p:cNvPr id="2" name="Datumsplatzhalter 1">
-            <a:extLst>
-              <a:ext uri="{FF2B5EF4-FFF2-40B4-BE49-F238E27FC236}">
-                <a16:creationId xmlns:a16="http://schemas.microsoft.com/office/drawing/2014/main" id="{DBB5D3CB-6510-44A0-84D2-209A803776DB}"/>
-              </a:ext>
-            </a:extLst>
-          </p:cNvPr>
-          <p:cNvSpPr>
-            <a:spLocks noGrp="1"/>
-          </p:cNvSpPr>
-          <p:nvPr>
-            <p:ph type="dt" sz="half" idx="10"/>
-          </p:nvPr>
-        </p:nvSpPr>
-        <p:spPr/>
-        <p:txBody>
-          <a:bodyPr/>
-          <a:lstStyle/>
-          <a:p>
-            <a:fld id="{785DC742-D542-4506-9A5C-170FBD41552E}" type="datetime1">
-              <a:rPr lang="de-DE" smtClean="0"/>
-              <a:t>21.10.2024</a:t>
-            </a:fld>
-            <a:endParaRPr lang="en-US" dirty="0"/>
-          </a:p>
-        </p:txBody>
-      </p:sp>
-      <p:sp>
-        <p:nvSpPr>
-          <p:cNvPr id="3" name="Fußzeilenplatzhalter 2">
-            <a:extLst>
-              <a:ext uri="{FF2B5EF4-FFF2-40B4-BE49-F238E27FC236}">
-                <a16:creationId xmlns:a16="http://schemas.microsoft.com/office/drawing/2014/main" id="{4135BF22-49C8-4D9B-A370-898A8944D193}"/>
-              </a:ext>
-            </a:extLst>
-          </p:cNvPr>
-          <p:cNvSpPr>
-            <a:spLocks noGrp="1"/>
-          </p:cNvSpPr>
-          <p:nvPr>
-            <p:ph type="ftr" sz="quarter" idx="12"/>
-          </p:nvPr>
-        </p:nvSpPr>
-        <p:spPr/>
-        <p:txBody>
-          <a:bodyPr/>
-          <a:lstStyle/>
-          <a:p>
-            <a:r>
-              <a:rPr lang="de-DE"/>
-              <a:t>Prof. Mike Barth || Name 2 || Projekt || Anlass</a:t>
-            </a:r>
-            <a:endParaRPr lang="de-DE" dirty="0"/>
-          </a:p>
-        </p:txBody>
-      </p:sp>
-      <p:sp>
-        <p:nvSpPr>
-          <p:cNvPr id="4" name="Titel 3">
-            <a:extLst>
-              <a:ext uri="{FF2B5EF4-FFF2-40B4-BE49-F238E27FC236}">
-                <a16:creationId xmlns:a16="http://schemas.microsoft.com/office/drawing/2014/main" id="{BAFE7FDB-5156-41E6-91B8-8270A9DF4136}"/>
+          <p:cNvPr id="2" name="Title 1">
+            <a:extLst>
+              <a:ext uri="{FF2B5EF4-FFF2-40B4-BE49-F238E27FC236}">
+                <a16:creationId xmlns:a16="http://schemas.microsoft.com/office/drawing/2014/main" id="{A3966774-DDCC-8001-78C7-0F68A51BC0C3}"/>
               </a:ext>
             </a:extLst>
           </p:cNvPr>
@@ -10768,20 +10820,108 @@
           <a:lstStyle/>
           <a:p>
             <a:r>
-              <a:rPr lang="de-DE" dirty="0" err="1"/>
-              <a:t>Trenner</a:t>
-            </a:r>
-            <a:r>
-              <a:rPr lang="de-DE" dirty="0"/>
-              <a:t>-Element</a:t>
-            </a:r>
+              <a:rPr lang="en-GB" noProof="0"/>
+              <a:t>System Overview</a:t>
+            </a:r>
+          </a:p>
+        </p:txBody>
+      </p:sp>
+      <p:sp>
+        <p:nvSpPr>
+          <p:cNvPr id="3" name="Date Placeholder 2">
+            <a:extLst>
+              <a:ext uri="{FF2B5EF4-FFF2-40B4-BE49-F238E27FC236}">
+                <a16:creationId xmlns:a16="http://schemas.microsoft.com/office/drawing/2014/main" id="{BEF64A0A-6DF2-5229-E89D-EA8F2A3530F7}"/>
+              </a:ext>
+            </a:extLst>
+          </p:cNvPr>
+          <p:cNvSpPr>
+            <a:spLocks noGrp="1"/>
+          </p:cNvSpPr>
+          <p:nvPr>
+            <p:ph type="dt" sz="half" idx="10"/>
+          </p:nvPr>
+        </p:nvSpPr>
+        <p:spPr/>
+        <p:txBody>
+          <a:bodyPr/>
+          <a:lstStyle/>
+          <a:p>
+            <a:fld id="{BE7BB122-9C59-4D43-A3C4-192978D0BD6B}" type="datetime1">
+              <a:rPr lang="en-US" noProof="0" smtClean="0"/>
+              <a:t>04.02.2026</a:t>
+            </a:fld>
+            <a:endParaRPr lang="en-US" noProof="0" dirty="0"/>
+          </a:p>
+        </p:txBody>
+      </p:sp>
+      <p:sp>
+        <p:nvSpPr>
+          <p:cNvPr id="4" name="Slide Number Placeholder 3">
+            <a:extLst>
+              <a:ext uri="{FF2B5EF4-FFF2-40B4-BE49-F238E27FC236}">
+                <a16:creationId xmlns:a16="http://schemas.microsoft.com/office/drawing/2014/main" id="{2565ABC6-4991-AF7E-0E51-B3F425E2FFCD}"/>
+              </a:ext>
+            </a:extLst>
+          </p:cNvPr>
+          <p:cNvSpPr>
+            <a:spLocks noGrp="1"/>
+          </p:cNvSpPr>
+          <p:nvPr>
+            <p:ph type="sldNum" sz="quarter" idx="11"/>
+          </p:nvPr>
+        </p:nvSpPr>
+        <p:spPr/>
+        <p:txBody>
+          <a:bodyPr/>
+          <a:lstStyle/>
+          <a:p>
+            <a:fld id="{8C23DAB3-89BF-4980-89CA-7BF97B22868B}" type="slidenum">
+              <a:rPr lang="en-US" noProof="0" smtClean="0"/>
+              <a:pPr/>
+              <a:t>3</a:t>
+            </a:fld>
+            <a:endParaRPr lang="en-US" noProof="0" dirty="0"/>
+          </a:p>
+        </p:txBody>
+      </p:sp>
+      <p:sp>
+        <p:nvSpPr>
+          <p:cNvPr id="5" name="Footer Placeholder 4">
+            <a:extLst>
+              <a:ext uri="{FF2B5EF4-FFF2-40B4-BE49-F238E27FC236}">
+                <a16:creationId xmlns:a16="http://schemas.microsoft.com/office/drawing/2014/main" id="{EECE5942-3CC2-C36B-7D92-03C910032E80}"/>
+              </a:ext>
+            </a:extLst>
+          </p:cNvPr>
+          <p:cNvSpPr>
+            <a:spLocks noGrp="1"/>
+          </p:cNvSpPr>
+          <p:nvPr>
+            <p:ph type="ftr" sz="quarter" idx="12"/>
+          </p:nvPr>
+        </p:nvSpPr>
+        <p:spPr/>
+        <p:txBody>
+          <a:bodyPr/>
+          <a:lstStyle/>
+          <a:p>
+            <a:r>
+              <a:rPr lang="en-US" noProof="0" dirty="0"/>
+              <a:t>Prof. Mike Barth || Name 2 || Projekt || </a:t>
+            </a:r>
+            <a:r>
+              <a:rPr lang="en-US" noProof="0" dirty="0" err="1"/>
+              <a:t>Anlass</a:t>
+            </a:r>
+            <a:endParaRPr lang="en-US" noProof="0" dirty="0"/>
           </a:p>
         </p:txBody>
       </p:sp>
     </p:spTree>
     <p:extLst>
       <p:ext uri="{BB962C8B-B14F-4D97-AF65-F5344CB8AC3E}">
-        <p14:creationId xmlns:p14="http://schemas.microsoft.com/office/powerpoint/2010/main" val="3713459055"/>
+        <p14:creationId xmlns:p14="http://schemas.microsoft.com/office/powerpoint/2010/main" val="2463308162"/>
       </p:ext>
     </p:extLst>
   </p:cSld>
@@ -10792,6 +10932,653 @@
 </file>
 
 <file path=ppt/slides/slide4.xml><?xml version="1.0" encoding="utf-8"?>
+<p:sld xmlns:a="http://schemas.openxmlformats.org/drawingml/2006/main" xmlns:r="http://schemas.openxmlformats.org/officeDocument/2006/relationships" xmlns:p="http://schemas.openxmlformats.org/presentationml/2006/main">
+  <p:cSld>
+    <p:spTree>
+      <p:nvGrpSpPr>
+        <p:cNvPr id="1" name="">
+          <a:extLst>
+            <a:ext uri="{FF2B5EF4-FFF2-40B4-BE49-F238E27FC236}">
+              <a16:creationId xmlns:a16="http://schemas.microsoft.com/office/drawing/2014/main" id="{9C2479C5-A78A-D70A-D32E-3B86DAD070B2}"/>
+            </a:ext>
+          </a:extLst>
+        </p:cNvPr>
+        <p:cNvGrpSpPr/>
+        <p:nvPr/>
+      </p:nvGrpSpPr>
+      <p:grpSpPr>
+        <a:xfrm>
+          <a:off x="0" y="0"/>
+          <a:ext cx="0" cy="0"/>
+          <a:chOff x="0" y="0"/>
+          <a:chExt cx="0" cy="0"/>
+        </a:xfrm>
+      </p:grpSpPr>
+      <p:sp>
+        <p:nvSpPr>
+          <p:cNvPr id="2" name="Title 1">
+            <a:extLst>
+              <a:ext uri="{FF2B5EF4-FFF2-40B4-BE49-F238E27FC236}">
+                <a16:creationId xmlns:a16="http://schemas.microsoft.com/office/drawing/2014/main" id="{F0E299D3-2200-4BBD-B56A-F2B6AA603A9E}"/>
+              </a:ext>
+            </a:extLst>
+          </p:cNvPr>
+          <p:cNvSpPr>
+            <a:spLocks noGrp="1"/>
+          </p:cNvSpPr>
+          <p:nvPr>
+            <p:ph type="title"/>
+          </p:nvPr>
+        </p:nvSpPr>
+        <p:spPr/>
+        <p:txBody>
+          <a:bodyPr>
+            <a:normAutofit fontScale="90000"/>
+          </a:bodyPr>
+          <a:lstStyle/>
+          <a:p>
+            <a:r>
+              <a:rPr lang="en-GB" noProof="0"/>
+              <a:t>Example</a:t>
+            </a:r>
+          </a:p>
+        </p:txBody>
+      </p:sp>
+      <p:sp>
+        <p:nvSpPr>
+          <p:cNvPr id="3" name="Date Placeholder 2">
+            <a:extLst>
+              <a:ext uri="{FF2B5EF4-FFF2-40B4-BE49-F238E27FC236}">
+                <a16:creationId xmlns:a16="http://schemas.microsoft.com/office/drawing/2014/main" id="{C25A6C92-23FB-EDBB-22E0-8D9F31A7B983}"/>
+              </a:ext>
+            </a:extLst>
+          </p:cNvPr>
+          <p:cNvSpPr>
+            <a:spLocks noGrp="1"/>
+          </p:cNvSpPr>
+          <p:nvPr>
+            <p:ph type="dt" sz="half" idx="10"/>
+          </p:nvPr>
+        </p:nvSpPr>
+        <p:spPr/>
+        <p:txBody>
+          <a:bodyPr/>
+          <a:lstStyle/>
+          <a:p>
+            <a:fld id="{BE7BB122-9C59-4D43-A3C4-192978D0BD6B}" type="datetime1">
+              <a:rPr lang="de-DE" smtClean="0"/>
+              <a:t>04.02.2026</a:t>
+            </a:fld>
+            <a:endParaRPr lang="en-US" dirty="0"/>
+          </a:p>
+        </p:txBody>
+      </p:sp>
+      <p:sp>
+        <p:nvSpPr>
+          <p:cNvPr id="4" name="Slide Number Placeholder 3">
+            <a:extLst>
+              <a:ext uri="{FF2B5EF4-FFF2-40B4-BE49-F238E27FC236}">
+                <a16:creationId xmlns:a16="http://schemas.microsoft.com/office/drawing/2014/main" id="{8DB4EBF4-B36C-AEBF-2AEF-1044D691CB57}"/>
+              </a:ext>
+            </a:extLst>
+          </p:cNvPr>
+          <p:cNvSpPr>
+            <a:spLocks noGrp="1"/>
+          </p:cNvSpPr>
+          <p:nvPr>
+            <p:ph type="sldNum" sz="quarter" idx="11"/>
+          </p:nvPr>
+        </p:nvSpPr>
+        <p:spPr/>
+        <p:txBody>
+          <a:bodyPr/>
+          <a:lstStyle/>
+          <a:p>
+            <a:fld id="{8C23DAB3-89BF-4980-89CA-7BF97B22868B}" type="slidenum">
+              <a:rPr lang="en-US" smtClean="0"/>
+              <a:pPr/>
+              <a:t>4</a:t>
+            </a:fld>
+            <a:endParaRPr lang="en-US" dirty="0"/>
+          </a:p>
+        </p:txBody>
+      </p:sp>
+      <p:sp>
+        <p:nvSpPr>
+          <p:cNvPr id="5" name="Footer Placeholder 4">
+            <a:extLst>
+              <a:ext uri="{FF2B5EF4-FFF2-40B4-BE49-F238E27FC236}">
+                <a16:creationId xmlns:a16="http://schemas.microsoft.com/office/drawing/2014/main" id="{80DD307F-D6DA-7488-7721-6D462CD6BE19}"/>
+              </a:ext>
+            </a:extLst>
+          </p:cNvPr>
+          <p:cNvSpPr>
+            <a:spLocks noGrp="1"/>
+          </p:cNvSpPr>
+          <p:nvPr>
+            <p:ph type="ftr" sz="quarter" idx="12"/>
+          </p:nvPr>
+        </p:nvSpPr>
+        <p:spPr/>
+        <p:txBody>
+          <a:bodyPr/>
+          <a:lstStyle/>
+          <a:p>
+            <a:r>
+              <a:rPr lang="de-DE"/>
+              <a:t>Prof. Mike Barth || Name 2 || Projekt || Anlass</a:t>
+            </a:r>
+            <a:endParaRPr lang="de-DE" dirty="0"/>
+          </a:p>
+        </p:txBody>
+      </p:sp>
+      <p:pic>
+        <p:nvPicPr>
+          <p:cNvPr id="7" name="Picture 6">
+            <a:extLst>
+              <a:ext uri="{FF2B5EF4-FFF2-40B4-BE49-F238E27FC236}">
+                <a16:creationId xmlns:a16="http://schemas.microsoft.com/office/drawing/2014/main" id="{E4EEF141-A8C4-CF47-C6AA-7384956F3912}"/>
+              </a:ext>
+            </a:extLst>
+          </p:cNvPr>
+          <p:cNvPicPr>
+            <a:picLocks noChangeAspect="1"/>
+          </p:cNvPicPr>
+          <p:nvPr/>
+        </p:nvPicPr>
+        <p:blipFill>
+          <a:blip r:embed="rId2"/>
+          <a:stretch>
+            <a:fillRect/>
+          </a:stretch>
+        </p:blipFill>
+        <p:spPr>
+          <a:xfrm>
+            <a:off x="875041" y="714189"/>
+            <a:ext cx="3891692" cy="3898310"/>
+          </a:xfrm>
+          <a:prstGeom prst="rect">
+            <a:avLst/>
+          </a:prstGeom>
+        </p:spPr>
+      </p:pic>
+      <p:sp>
+        <p:nvSpPr>
+          <p:cNvPr id="9" name="Content Placeholder 2">
+            <a:extLst>
+              <a:ext uri="{FF2B5EF4-FFF2-40B4-BE49-F238E27FC236}">
+                <a16:creationId xmlns:a16="http://schemas.microsoft.com/office/drawing/2014/main" id="{0F3A96E7-EAC9-14DA-D2E2-D1A18BC06B83}"/>
+              </a:ext>
+            </a:extLst>
+          </p:cNvPr>
+          <p:cNvSpPr txBox="1">
+            <a:spLocks/>
+          </p:cNvSpPr>
+          <p:nvPr/>
+        </p:nvSpPr>
+        <p:spPr>
+          <a:xfrm>
+            <a:off x="4908734" y="1040679"/>
+            <a:ext cx="4167533" cy="3345148"/>
+          </a:xfrm>
+          <a:prstGeom prst="rect">
+            <a:avLst/>
+          </a:prstGeom>
+        </p:spPr>
+        <p:txBody>
+          <a:bodyPr>
+            <a:normAutofit fontScale="92500" lnSpcReduction="20000"/>
+          </a:bodyPr>
+          <a:lstStyle>
+            <a:lvl1pPr marL="228526" indent="-228526" algn="l" defTabSz="914103" rtl="0" eaLnBrk="1" latinLnBrk="0" hangingPunct="1">
+              <a:lnSpc>
+                <a:spcPct val="90000"/>
+              </a:lnSpc>
+              <a:spcBef>
+                <a:spcPts val="360"/>
+              </a:spcBef>
+              <a:buSzPct val="80000"/>
+              <a:buFontTx/>
+              <a:buBlip>
+                <a:blip r:embed="rId3"/>
+              </a:buBlip>
+              <a:defRPr lang="de-DE" sz="2000" kern="1200" dirty="0" smtClean="0">
+                <a:solidFill>
+                  <a:schemeClr val="tx1"/>
+                </a:solidFill>
+                <a:latin typeface="Arial" panose="020B0604020202020204" pitchFamily="34" charset="0"/>
+                <a:ea typeface="+mn-ea"/>
+                <a:cs typeface="Arial" panose="020B0604020202020204" pitchFamily="34" charset="0"/>
+              </a:defRPr>
+            </a:lvl1pPr>
+            <a:lvl2pPr marL="685577" indent="-228526" algn="l" defTabSz="914103" rtl="0" eaLnBrk="1" latinLnBrk="0" hangingPunct="1">
+              <a:lnSpc>
+                <a:spcPct val="90000"/>
+              </a:lnSpc>
+              <a:spcBef>
+                <a:spcPts val="360"/>
+              </a:spcBef>
+              <a:buSzPct val="80000"/>
+              <a:buFontTx/>
+              <a:buBlip>
+                <a:blip r:embed="rId3"/>
+              </a:buBlip>
+              <a:defRPr lang="de-DE" sz="1799" kern="1200" dirty="0" smtClean="0">
+                <a:solidFill>
+                  <a:schemeClr val="tx1"/>
+                </a:solidFill>
+                <a:latin typeface="Arial" panose="020B0604020202020204" pitchFamily="34" charset="0"/>
+                <a:ea typeface="+mn-ea"/>
+                <a:cs typeface="Arial" panose="020B0604020202020204" pitchFamily="34" charset="0"/>
+              </a:defRPr>
+            </a:lvl2pPr>
+            <a:lvl3pPr marL="1142629" indent="-228526" algn="l" defTabSz="914103" rtl="0" eaLnBrk="1" latinLnBrk="0" hangingPunct="1">
+              <a:lnSpc>
+                <a:spcPct val="90000"/>
+              </a:lnSpc>
+              <a:spcBef>
+                <a:spcPts val="360"/>
+              </a:spcBef>
+              <a:buSzPct val="80000"/>
+              <a:buFontTx/>
+              <a:buBlip>
+                <a:blip r:embed="rId3"/>
+              </a:buBlip>
+              <a:defRPr lang="de-DE" sz="1600" kern="1200" dirty="0" smtClean="0">
+                <a:solidFill>
+                  <a:schemeClr val="tx1"/>
+                </a:solidFill>
+                <a:latin typeface="Arial" panose="020B0604020202020204" pitchFamily="34" charset="0"/>
+                <a:ea typeface="+mn-ea"/>
+                <a:cs typeface="Arial" panose="020B0604020202020204" pitchFamily="34" charset="0"/>
+              </a:defRPr>
+            </a:lvl3pPr>
+            <a:lvl4pPr marL="1599680" indent="-228526" algn="l" defTabSz="914103" rtl="0" eaLnBrk="1" latinLnBrk="0" hangingPunct="1">
+              <a:lnSpc>
+                <a:spcPct val="90000"/>
+              </a:lnSpc>
+              <a:spcBef>
+                <a:spcPts val="360"/>
+              </a:spcBef>
+              <a:buSzPct val="80000"/>
+              <a:buFontTx/>
+              <a:buBlip>
+                <a:blip r:embed="rId3"/>
+              </a:buBlip>
+              <a:defRPr lang="de-DE" sz="1600" kern="1200" dirty="0" smtClean="0">
+                <a:solidFill>
+                  <a:schemeClr val="tx1"/>
+                </a:solidFill>
+                <a:latin typeface="Arial" panose="020B0604020202020204" pitchFamily="34" charset="0"/>
+                <a:ea typeface="+mn-ea"/>
+                <a:cs typeface="Arial" panose="020B0604020202020204" pitchFamily="34" charset="0"/>
+              </a:defRPr>
+            </a:lvl4pPr>
+            <a:lvl5pPr marL="2056731" indent="-228526" algn="l" defTabSz="914103" rtl="0" eaLnBrk="1" latinLnBrk="0" hangingPunct="1">
+              <a:lnSpc>
+                <a:spcPct val="90000"/>
+              </a:lnSpc>
+              <a:spcBef>
+                <a:spcPts val="360"/>
+              </a:spcBef>
+              <a:buSzPct val="80000"/>
+              <a:buFontTx/>
+              <a:buBlip>
+                <a:blip r:embed="rId3"/>
+              </a:buBlip>
+              <a:defRPr lang="en-US" sz="1199" kern="1200" dirty="0">
+                <a:solidFill>
+                  <a:schemeClr val="tx1"/>
+                </a:solidFill>
+                <a:latin typeface="Arial" panose="020B0604020202020204" pitchFamily="34" charset="0"/>
+                <a:ea typeface="+mn-ea"/>
+                <a:cs typeface="Arial" panose="020B0604020202020204" pitchFamily="34" charset="0"/>
+              </a:defRPr>
+            </a:lvl5pPr>
+            <a:lvl6pPr marL="2513783" indent="-228526" algn="l" defTabSz="914103" rtl="0" eaLnBrk="1" latinLnBrk="0" hangingPunct="1">
+              <a:lnSpc>
+                <a:spcPct val="90000"/>
+              </a:lnSpc>
+              <a:spcBef>
+                <a:spcPts val="500"/>
+              </a:spcBef>
+              <a:buFont typeface="Arial" panose="020B0604020202020204" pitchFamily="34" charset="0"/>
+              <a:buChar char="•"/>
+              <a:defRPr sz="1799" kern="1200">
+                <a:solidFill>
+                  <a:schemeClr val="tx1"/>
+                </a:solidFill>
+                <a:latin typeface="+mn-lt"/>
+                <a:ea typeface="+mn-ea"/>
+                <a:cs typeface="+mn-cs"/>
+              </a:defRPr>
+            </a:lvl6pPr>
+            <a:lvl7pPr marL="2970834" indent="-228526" algn="l" defTabSz="914103" rtl="0" eaLnBrk="1" latinLnBrk="0" hangingPunct="1">
+              <a:lnSpc>
+                <a:spcPct val="90000"/>
+              </a:lnSpc>
+              <a:spcBef>
+                <a:spcPts val="500"/>
+              </a:spcBef>
+              <a:buFont typeface="Arial" panose="020B0604020202020204" pitchFamily="34" charset="0"/>
+              <a:buChar char="•"/>
+              <a:defRPr sz="1799" kern="1200">
+                <a:solidFill>
+                  <a:schemeClr val="tx1"/>
+                </a:solidFill>
+                <a:latin typeface="+mn-lt"/>
+                <a:ea typeface="+mn-ea"/>
+                <a:cs typeface="+mn-cs"/>
+              </a:defRPr>
+            </a:lvl7pPr>
+            <a:lvl8pPr marL="3427886" indent="-228526" algn="l" defTabSz="914103" rtl="0" eaLnBrk="1" latinLnBrk="0" hangingPunct="1">
+              <a:lnSpc>
+                <a:spcPct val="90000"/>
+              </a:lnSpc>
+              <a:spcBef>
+                <a:spcPts val="500"/>
+              </a:spcBef>
+              <a:buFont typeface="Arial" panose="020B0604020202020204" pitchFamily="34" charset="0"/>
+              <a:buChar char="•"/>
+              <a:defRPr sz="1799" kern="1200">
+                <a:solidFill>
+                  <a:schemeClr val="tx1"/>
+                </a:solidFill>
+                <a:latin typeface="+mn-lt"/>
+                <a:ea typeface="+mn-ea"/>
+                <a:cs typeface="+mn-cs"/>
+              </a:defRPr>
+            </a:lvl8pPr>
+            <a:lvl9pPr marL="3884937" indent="-228526" algn="l" defTabSz="914103" rtl="0" eaLnBrk="1" latinLnBrk="0" hangingPunct="1">
+              <a:lnSpc>
+                <a:spcPct val="90000"/>
+              </a:lnSpc>
+              <a:spcBef>
+                <a:spcPts val="500"/>
+              </a:spcBef>
+              <a:buFont typeface="Arial" panose="020B0604020202020204" pitchFamily="34" charset="0"/>
+              <a:buChar char="•"/>
+              <a:defRPr sz="1799" kern="1200">
+                <a:solidFill>
+                  <a:schemeClr val="tx1"/>
+                </a:solidFill>
+                <a:latin typeface="+mn-lt"/>
+                <a:ea typeface="+mn-ea"/>
+                <a:cs typeface="+mn-cs"/>
+              </a:defRPr>
+            </a:lvl9pPr>
+          </a:lstStyle>
+          <a:p>
+            <a:r>
+              <a:rPr lang="en-GB" dirty="0"/>
+              <a:t>Library Components</a:t>
+            </a:r>
+          </a:p>
+          <a:p>
+            <a:pPr lvl="1"/>
+            <a:r>
+              <a:rPr lang="en-GB" dirty="0"/>
+              <a:t>Battery</a:t>
+            </a:r>
+          </a:p>
+          <a:p>
+            <a:pPr lvl="2"/>
+            <a:r>
+              <a:rPr lang="en-GB" dirty="0"/>
+              <a:t>3 default parametrisations </a:t>
+            </a:r>
+          </a:p>
+          <a:p>
+            <a:pPr lvl="3"/>
+            <a:r>
+              <a:rPr lang="en-GB" dirty="0"/>
+              <a:t>NMC, Solid State, LFP</a:t>
+            </a:r>
+          </a:p>
+          <a:p>
+            <a:pPr lvl="1"/>
+            <a:r>
+              <a:rPr lang="en-GB" dirty="0"/>
+              <a:t>Controller</a:t>
+            </a:r>
+          </a:p>
+          <a:p>
+            <a:pPr lvl="2"/>
+            <a:r>
+              <a:rPr lang="en-GB" dirty="0"/>
+              <a:t>Constrained P-Controller</a:t>
+            </a:r>
+          </a:p>
+          <a:p>
+            <a:pPr lvl="1"/>
+            <a:r>
+              <a:rPr lang="en-GB" dirty="0"/>
+              <a:t>Driver</a:t>
+            </a:r>
+          </a:p>
+          <a:p>
+            <a:pPr lvl="2"/>
+            <a:r>
+              <a:rPr lang="en-GB" dirty="0"/>
+              <a:t>Normal, Speeding</a:t>
+            </a:r>
+          </a:p>
+          <a:p>
+            <a:pPr lvl="1"/>
+            <a:r>
+              <a:rPr lang="en-GB" dirty="0"/>
+              <a:t>Environment</a:t>
+            </a:r>
+          </a:p>
+          <a:p>
+            <a:pPr lvl="2"/>
+            <a:r>
+              <a:rPr lang="en-GB" dirty="0"/>
+              <a:t>Slope, Friction, Temperature</a:t>
+            </a:r>
+          </a:p>
+          <a:p>
+            <a:pPr lvl="1"/>
+            <a:r>
+              <a:rPr lang="en-GB" dirty="0"/>
+              <a:t>Motor</a:t>
+            </a:r>
+          </a:p>
+          <a:p>
+            <a:pPr lvl="2"/>
+            <a:r>
+              <a:rPr lang="en-GB" dirty="0"/>
+              <a:t>Brushless Lynch Type DC Motor</a:t>
+            </a:r>
+          </a:p>
+          <a:p>
+            <a:pPr lvl="1"/>
+            <a:r>
+              <a:rPr lang="en-GB" dirty="0"/>
+              <a:t>Vehicle </a:t>
+            </a:r>
+          </a:p>
+          <a:p>
+            <a:pPr lvl="2"/>
+            <a:r>
+              <a:rPr lang="en-GB" dirty="0"/>
+              <a:t>Longitudinal Dynamics</a:t>
+            </a:r>
+          </a:p>
+          <a:p>
+            <a:endParaRPr lang="en-GB" dirty="0"/>
+          </a:p>
+        </p:txBody>
+      </p:sp>
+    </p:spTree>
+    <p:extLst>
+      <p:ext uri="{BB962C8B-B14F-4D97-AF65-F5344CB8AC3E}">
+        <p14:creationId xmlns:p14="http://schemas.microsoft.com/office/powerpoint/2010/main" val="4112934419"/>
+      </p:ext>
+    </p:extLst>
+  </p:cSld>
+  <p:clrMapOvr>
+    <a:masterClrMapping/>
+  </p:clrMapOvr>
+</p:sld>
+</file>
+
+<file path=ppt/slides/slide5.xml><?xml version="1.0" encoding="utf-8"?>
+<p:sld xmlns:a="http://schemas.openxmlformats.org/drawingml/2006/main" xmlns:r="http://schemas.openxmlformats.org/officeDocument/2006/relationships" xmlns:p="http://schemas.openxmlformats.org/presentationml/2006/main">
+  <p:cSld>
+    <p:spTree>
+      <p:nvGrpSpPr>
+        <p:cNvPr id="1" name="">
+          <a:extLst>
+            <a:ext uri="{FF2B5EF4-FFF2-40B4-BE49-F238E27FC236}">
+              <a16:creationId xmlns:a16="http://schemas.microsoft.com/office/drawing/2014/main" id="{59DFB8A8-9BBB-5379-4A77-26F2F825C911}"/>
+            </a:ext>
+          </a:extLst>
+        </p:cNvPr>
+        <p:cNvGrpSpPr/>
+        <p:nvPr/>
+      </p:nvGrpSpPr>
+      <p:grpSpPr>
+        <a:xfrm>
+          <a:off x="0" y="0"/>
+          <a:ext cx="0" cy="0"/>
+          <a:chOff x="0" y="0"/>
+          <a:chExt cx="0" cy="0"/>
+        </a:xfrm>
+      </p:grpSpPr>
+      <p:sp>
+        <p:nvSpPr>
+          <p:cNvPr id="2" name="Title 1">
+            <a:extLst>
+              <a:ext uri="{FF2B5EF4-FFF2-40B4-BE49-F238E27FC236}">
+                <a16:creationId xmlns:a16="http://schemas.microsoft.com/office/drawing/2014/main" id="{6C8E8FA5-0229-D479-3EEC-BED9ED7C7449}"/>
+              </a:ext>
+            </a:extLst>
+          </p:cNvPr>
+          <p:cNvSpPr>
+            <a:spLocks noGrp="1"/>
+          </p:cNvSpPr>
+          <p:nvPr>
+            <p:ph type="title"/>
+          </p:nvPr>
+        </p:nvSpPr>
+        <p:spPr/>
+        <p:txBody>
+          <a:bodyPr>
+            <a:normAutofit fontScale="90000"/>
+          </a:bodyPr>
+          <a:lstStyle/>
+          <a:p>
+            <a:r>
+              <a:rPr lang="de-DE" dirty="0"/>
+              <a:t>L</a:t>
+            </a:r>
+            <a:endParaRPr lang="en-GB" dirty="0"/>
+          </a:p>
+        </p:txBody>
+      </p:sp>
+      <p:sp>
+        <p:nvSpPr>
+          <p:cNvPr id="3" name="Date Placeholder 2">
+            <a:extLst>
+              <a:ext uri="{FF2B5EF4-FFF2-40B4-BE49-F238E27FC236}">
+                <a16:creationId xmlns:a16="http://schemas.microsoft.com/office/drawing/2014/main" id="{D31206EA-80AF-32DF-CA14-4D642DDFCD6E}"/>
+              </a:ext>
+            </a:extLst>
+          </p:cNvPr>
+          <p:cNvSpPr>
+            <a:spLocks noGrp="1"/>
+          </p:cNvSpPr>
+          <p:nvPr>
+            <p:ph type="dt" sz="half" idx="10"/>
+          </p:nvPr>
+        </p:nvSpPr>
+        <p:spPr/>
+        <p:txBody>
+          <a:bodyPr/>
+          <a:lstStyle/>
+          <a:p>
+            <a:fld id="{BE7BB122-9C59-4D43-A3C4-192978D0BD6B}" type="datetime1">
+              <a:rPr lang="de-DE" smtClean="0"/>
+              <a:t>04.02.2026</a:t>
+            </a:fld>
+            <a:endParaRPr lang="en-US" dirty="0"/>
+          </a:p>
+        </p:txBody>
+      </p:sp>
+      <p:sp>
+        <p:nvSpPr>
+          <p:cNvPr id="4" name="Slide Number Placeholder 3">
+            <a:extLst>
+              <a:ext uri="{FF2B5EF4-FFF2-40B4-BE49-F238E27FC236}">
+                <a16:creationId xmlns:a16="http://schemas.microsoft.com/office/drawing/2014/main" id="{3E5F814B-9775-5018-E4EB-3F6CF07ED107}"/>
+              </a:ext>
+            </a:extLst>
+          </p:cNvPr>
+          <p:cNvSpPr>
+            <a:spLocks noGrp="1"/>
+          </p:cNvSpPr>
+          <p:nvPr>
+            <p:ph type="sldNum" sz="quarter" idx="11"/>
+          </p:nvPr>
+        </p:nvSpPr>
+        <p:spPr/>
+        <p:txBody>
+          <a:bodyPr/>
+          <a:lstStyle/>
+          <a:p>
+            <a:fld id="{8C23DAB3-89BF-4980-89CA-7BF97B22868B}" type="slidenum">
+              <a:rPr lang="en-US" smtClean="0"/>
+              <a:pPr/>
+              <a:t>5</a:t>
+            </a:fld>
+            <a:endParaRPr lang="en-US" dirty="0"/>
+          </a:p>
+        </p:txBody>
+      </p:sp>
+      <p:sp>
+        <p:nvSpPr>
+          <p:cNvPr id="5" name="Footer Placeholder 4">
+            <a:extLst>
+              <a:ext uri="{FF2B5EF4-FFF2-40B4-BE49-F238E27FC236}">
+                <a16:creationId xmlns:a16="http://schemas.microsoft.com/office/drawing/2014/main" id="{29F2F356-76EB-0C91-669E-E9B2F5BAE2E9}"/>
+              </a:ext>
+            </a:extLst>
+          </p:cNvPr>
+          <p:cNvSpPr>
+            <a:spLocks noGrp="1"/>
+          </p:cNvSpPr>
+          <p:nvPr>
+            <p:ph type="ftr" sz="quarter" idx="12"/>
+          </p:nvPr>
+        </p:nvSpPr>
+        <p:spPr/>
+        <p:txBody>
+          <a:bodyPr/>
+          <a:lstStyle/>
+          <a:p>
+            <a:r>
+              <a:rPr lang="de-DE"/>
+              <a:t>Prof. Mike Barth || Name 2 || Projekt || Anlass</a:t>
+            </a:r>
+            <a:endParaRPr lang="de-DE" dirty="0"/>
+          </a:p>
+        </p:txBody>
+      </p:sp>
+    </p:spTree>
+    <p:extLst>
+      <p:ext uri="{BB962C8B-B14F-4D97-AF65-F5344CB8AC3E}">
+        <p14:creationId xmlns:p14="http://schemas.microsoft.com/office/powerpoint/2010/main" val="449802458"/>
+      </p:ext>
+    </p:extLst>
+  </p:cSld>
+  <p:clrMapOvr>
+    <a:masterClrMapping/>
+  </p:clrMapOvr>
+</p:sld>
+</file>
+
+<file path=ppt/slides/slide6.xml><?xml version="1.0" encoding="utf-8"?>
 <p:sld xmlns:a="http://schemas.openxmlformats.org/drawingml/2006/main" xmlns:r="http://schemas.openxmlformats.org/officeDocument/2006/relationships" xmlns:p="http://schemas.openxmlformats.org/presentationml/2006/main">
   <p:cSld>
     <p:spTree>
@@ -10810,10 +11597,10 @@
       </p:grpSpPr>
       <p:sp>
         <p:nvSpPr>
-          <p:cNvPr id="3" name="Datumsplatzhalter 2">
-            <a:extLst>
-              <a:ext uri="{FF2B5EF4-FFF2-40B4-BE49-F238E27FC236}">
-                <a16:creationId xmlns:a16="http://schemas.microsoft.com/office/drawing/2014/main" id="{F8704F78-2723-48E4-8376-1DECD2A2BAF8}"/>
+          <p:cNvPr id="2" name="Datumsplatzhalter 1">
+            <a:extLst>
+              <a:ext uri="{FF2B5EF4-FFF2-40B4-BE49-F238E27FC236}">
+                <a16:creationId xmlns:a16="http://schemas.microsoft.com/office/drawing/2014/main" id="{DBB5D3CB-6510-44A0-84D2-209A803776DB}"/>
               </a:ext>
             </a:extLst>
           </p:cNvPr>
@@ -10829,9 +11616,131 @@
           <a:bodyPr/>
           <a:lstStyle/>
           <a:p>
+            <a:fld id="{785DC742-D542-4506-9A5C-170FBD41552E}" type="datetime1">
+              <a:rPr lang="de-DE" smtClean="0"/>
+              <a:t>04.02.2026</a:t>
+            </a:fld>
+            <a:endParaRPr lang="en-US" dirty="0"/>
+          </a:p>
+        </p:txBody>
+      </p:sp>
+      <p:sp>
+        <p:nvSpPr>
+          <p:cNvPr id="3" name="Fußzeilenplatzhalter 2">
+            <a:extLst>
+              <a:ext uri="{FF2B5EF4-FFF2-40B4-BE49-F238E27FC236}">
+                <a16:creationId xmlns:a16="http://schemas.microsoft.com/office/drawing/2014/main" id="{4135BF22-49C8-4D9B-A370-898A8944D193}"/>
+              </a:ext>
+            </a:extLst>
+          </p:cNvPr>
+          <p:cNvSpPr>
+            <a:spLocks noGrp="1"/>
+          </p:cNvSpPr>
+          <p:nvPr>
+            <p:ph type="ftr" sz="quarter" idx="12"/>
+          </p:nvPr>
+        </p:nvSpPr>
+        <p:spPr/>
+        <p:txBody>
+          <a:bodyPr/>
+          <a:lstStyle/>
+          <a:p>
+            <a:r>
+              <a:rPr lang="de-DE"/>
+              <a:t>Prof. Mike Barth || Name 2 || Projekt || Anlass</a:t>
+            </a:r>
+            <a:endParaRPr lang="de-DE" dirty="0"/>
+          </a:p>
+        </p:txBody>
+      </p:sp>
+      <p:sp>
+        <p:nvSpPr>
+          <p:cNvPr id="4" name="Titel 3">
+            <a:extLst>
+              <a:ext uri="{FF2B5EF4-FFF2-40B4-BE49-F238E27FC236}">
+                <a16:creationId xmlns:a16="http://schemas.microsoft.com/office/drawing/2014/main" id="{BAFE7FDB-5156-41E6-91B8-8270A9DF4136}"/>
+              </a:ext>
+            </a:extLst>
+          </p:cNvPr>
+          <p:cNvSpPr>
+            <a:spLocks noGrp="1"/>
+          </p:cNvSpPr>
+          <p:nvPr>
+            <p:ph type="title"/>
+          </p:nvPr>
+        </p:nvSpPr>
+        <p:spPr/>
+        <p:txBody>
+          <a:bodyPr>
+            <a:normAutofit fontScale="90000"/>
+          </a:bodyPr>
+          <a:lstStyle/>
+          <a:p>
+            <a:r>
+              <a:rPr lang="de-DE" dirty="0" err="1"/>
+              <a:t>Trenner</a:t>
+            </a:r>
+            <a:r>
+              <a:rPr lang="de-DE" dirty="0"/>
+              <a:t>-Element</a:t>
+            </a:r>
+          </a:p>
+        </p:txBody>
+      </p:sp>
+    </p:spTree>
+    <p:extLst>
+      <p:ext uri="{BB962C8B-B14F-4D97-AF65-F5344CB8AC3E}">
+        <p14:creationId xmlns:p14="http://schemas.microsoft.com/office/powerpoint/2010/main" val="3713459055"/>
+      </p:ext>
+    </p:extLst>
+  </p:cSld>
+  <p:clrMapOvr>
+    <a:masterClrMapping/>
+  </p:clrMapOvr>
+</p:sld>
+</file>
+
+<file path=ppt/slides/slide7.xml><?xml version="1.0" encoding="utf-8"?>
+<p:sld xmlns:a="http://schemas.openxmlformats.org/drawingml/2006/main" xmlns:r="http://schemas.openxmlformats.org/officeDocument/2006/relationships" xmlns:p="http://schemas.openxmlformats.org/presentationml/2006/main">
+  <p:cSld>
+    <p:spTree>
+      <p:nvGrpSpPr>
+        <p:cNvPr id="1" name=""/>
+        <p:cNvGrpSpPr/>
+        <p:nvPr/>
+      </p:nvGrpSpPr>
+      <p:grpSpPr>
+        <a:xfrm>
+          <a:off x="0" y="0"/>
+          <a:ext cx="0" cy="0"/>
+          <a:chOff x="0" y="0"/>
+          <a:chExt cx="0" cy="0"/>
+        </a:xfrm>
+      </p:grpSpPr>
+      <p:sp>
+        <p:nvSpPr>
+          <p:cNvPr id="3" name="Datumsplatzhalter 2">
+            <a:extLst>
+              <a:ext uri="{FF2B5EF4-FFF2-40B4-BE49-F238E27FC236}">
+                <a16:creationId xmlns:a16="http://schemas.microsoft.com/office/drawing/2014/main" id="{F8704F78-2723-48E4-8376-1DECD2A2BAF8}"/>
+              </a:ext>
+            </a:extLst>
+          </p:cNvPr>
+          <p:cNvSpPr>
+            <a:spLocks noGrp="1"/>
+          </p:cNvSpPr>
+          <p:nvPr>
+            <p:ph type="dt" sz="half" idx="10"/>
+          </p:nvPr>
+        </p:nvSpPr>
+        <p:spPr/>
+        <p:txBody>
+          <a:bodyPr/>
+          <a:lstStyle/>
+          <a:p>
             <a:fld id="{661D61FB-E7E0-4047-8BC2-59DD85EC03C0}" type="datetime1">
               <a:rPr lang="de-DE" smtClean="0"/>
-              <a:t>21.10.2024</a:t>
+              <a:t>04.02.2026</a:t>
             </a:fld>
             <a:endParaRPr lang="en-US" dirty="0"/>
           </a:p>
@@ -11784,15 +12693,6 @@
 </file>
 
 <file path=customXml/item1.xml><?xml version="1.0" encoding="utf-8"?>
-<?mso-contentType ?>
-<FormTemplates xmlns="http://schemas.microsoft.com/sharepoint/v3/contenttype/forms">
-  <Display>DocumentLibraryForm</Display>
-  <Edit>DocumentLibraryForm</Edit>
-  <New>DocumentLibraryForm</New>
-</FormTemplates>
-</file>
-
-<file path=customXml/item2.xml><?xml version="1.0" encoding="utf-8"?>
 <ct:contentTypeSchema xmlns:ct="http://schemas.microsoft.com/office/2006/metadata/contentType" xmlns:ma="http://schemas.microsoft.com/office/2006/metadata/properties/metaAttributes" ct:_="" ma:_="" ma:contentTypeName="Dokument" ma:contentTypeID="0x010100A41940E3263B0F43AAB675E4990AAEDE" ma:contentTypeVersion="2" ma:contentTypeDescription="Ein neues Dokument erstellen." ma:contentTypeScope="" ma:versionID="fff9d4229d5ceec42a9dca512b798c9c">
   <xsd:schema xmlns:xsd="http://www.w3.org/2001/XMLSchema" xmlns:xs="http://www.w3.org/2001/XMLSchema" xmlns:p="http://schemas.microsoft.com/office/2006/metadata/properties" xmlns:ns2="2fb36c0a-2fd6-4f10-b3ce-29eb93ba117e" targetNamespace="http://schemas.microsoft.com/office/2006/metadata/properties" ma:root="true" ma:fieldsID="9c1c40380bcb45c02c9a390174f20dac" ns2:_="">
     <xsd:import namespace="2fb36c0a-2fd6-4f10-b3ce-29eb93ba117e"/>
@@ -11924,15 +12824,16 @@
 </ct:contentTypeSchema>
 </file>
 
-<file path=customXml/itemProps1.xml><?xml version="1.0" encoding="utf-8"?>
-<ds:datastoreItem xmlns:ds="http://schemas.openxmlformats.org/officeDocument/2006/customXml" ds:itemID="{89AD1E9E-875E-491B-8AE2-310396B0D8EE}">
-  <ds:schemaRefs>
-    <ds:schemaRef ds:uri="http://schemas.microsoft.com/sharepoint/v3/contenttype/forms"/>
-  </ds:schemaRefs>
-</ds:datastoreItem>
+<file path=customXml/item2.xml><?xml version="1.0" encoding="utf-8"?>
+<?mso-contentType ?>
+<FormTemplates xmlns="http://schemas.microsoft.com/sharepoint/v3/contenttype/forms">
+  <Display>DocumentLibraryForm</Display>
+  <Edit>DocumentLibraryForm</Edit>
+  <New>DocumentLibraryForm</New>
+</FormTemplates>
 </file>
 
-<file path=customXml/itemProps2.xml><?xml version="1.0" encoding="utf-8"?>
+<file path=customXml/itemProps1.xml><?xml version="1.0" encoding="utf-8"?>
 <ds:datastoreItem xmlns:ds="http://schemas.openxmlformats.org/officeDocument/2006/customXml" ds:itemID="{4F3BB10A-C073-40D4-8FBF-26E8712FB383}">
   <ds:schemaRefs>
     <ds:schemaRef ds:uri="http://schemas.microsoft.com/office/2006/metadata/contentType"/>
@@ -11948,4 +12849,18 @@
     <ds:schemaRef ds:uri="http://schemas.microsoft.com/internal/obd"/>
   </ds:schemaRefs>
 </ds:datastoreItem>
+</file>
+
+<file path=customXml/itemProps2.xml><?xml version="1.0" encoding="utf-8"?>
+<ds:datastoreItem xmlns:ds="http://schemas.openxmlformats.org/officeDocument/2006/customXml" ds:itemID="{89AD1E9E-875E-491B-8AE2-310396B0D8EE}">
+  <ds:schemaRefs>
+    <ds:schemaRef ds:uri="http://schemas.microsoft.com/sharepoint/v3/contenttype/forms"/>
+  </ds:schemaRefs>
+</ds:datastoreItem>
+</file>
+
+<file path=docMetadata/LabelInfo.xml><?xml version="1.0" encoding="utf-8"?>
+<clbl:labelList xmlns:clbl="http://schemas.microsoft.com/office/2020/mipLabelMetadata">
+  <clbl:label id="{b1c9b508-7c6e-42bd-bedf-808292653d6c}" enabled="1" method="Standard" siteId="{2882be50-2012-4d88-ac86-544124e120c8}" contentBits="3" removed="0"/>
+</clbl:labelList>
 </file>
--- a/Slides.pptx
+++ b/Slides.pptx
@@ -376,7 +376,7 @@
           <a:p>
             <a:fld id="{E13F729A-0AF0-4995-B32B-9504BC68960C}" type="slidenum">
               <a:rPr lang="de-DE" smtClean="0"/>
-              <a:t>‹#›</a:t>
+              <a:t>‹Nr.›</a:t>
             </a:fld>
             <a:endParaRPr lang="de-DE"/>
           </a:p>
@@ -1418,7 +1418,7 @@
             <a:fld id="{8C23DAB3-89BF-4980-89CA-7BF97B22868B}" type="slidenum">
               <a:rPr lang="en-US" smtClean="0"/>
               <a:pPr/>
-              <a:t>‹#›</a:t>
+              <a:t>‹Nr.›</a:t>
             </a:fld>
             <a:endParaRPr lang="en-US" dirty="0"/>
           </a:p>
@@ -1642,7 +1642,7 @@
             <a:fld id="{8C23DAB3-89BF-4980-89CA-7BF97B22868B}" type="slidenum">
               <a:rPr lang="en-US" smtClean="0"/>
               <a:pPr/>
-              <a:t>‹#›</a:t>
+              <a:t>‹Nr.›</a:t>
             </a:fld>
             <a:endParaRPr lang="en-US" dirty="0"/>
           </a:p>
@@ -1903,7 +1903,7 @@
             <a:fld id="{8C23DAB3-89BF-4980-89CA-7BF97B22868B}" type="slidenum">
               <a:rPr lang="en-US" smtClean="0"/>
               <a:pPr/>
-              <a:t>‹#›</a:t>
+              <a:t>‹Nr.›</a:t>
             </a:fld>
             <a:endParaRPr lang="en-US" dirty="0"/>
           </a:p>
@@ -2169,7 +2169,7 @@
             <a:fld id="{8C23DAB3-89BF-4980-89CA-7BF97B22868B}" type="slidenum">
               <a:rPr lang="en-US" smtClean="0"/>
               <a:pPr/>
-              <a:t>‹#›</a:t>
+              <a:t>‹Nr.›</a:t>
             </a:fld>
             <a:endParaRPr lang="en-US" dirty="0"/>
           </a:p>
@@ -4136,7 +4136,7 @@
             <a:fld id="{7B8BC8D9-C84B-4CCA-85C1-6EFF33C910DB}" type="slidenum">
               <a:rPr lang="en-US" smtClean="0"/>
               <a:pPr/>
-              <a:t>‹#›</a:t>
+              <a:t>‹Nr.›</a:t>
             </a:fld>
             <a:endParaRPr lang="en-US" dirty="0"/>
           </a:p>
@@ -4302,7 +4302,7 @@
             <a:fld id="{8C23DAB3-89BF-4980-89CA-7BF97B22868B}" type="slidenum">
               <a:rPr lang="en-US" smtClean="0"/>
               <a:pPr/>
-              <a:t>‹#›</a:t>
+              <a:t>‹Nr.›</a:t>
             </a:fld>
             <a:endParaRPr lang="en-US" dirty="0"/>
           </a:p>
@@ -4818,7 +4818,7 @@
             <a:fld id="{8C23DAB3-89BF-4980-89CA-7BF97B22868B}" type="slidenum">
               <a:rPr lang="en-US" smtClean="0"/>
               <a:pPr/>
-              <a:t>‹#›</a:t>
+              <a:t>‹Nr.›</a:t>
             </a:fld>
             <a:endParaRPr lang="en-US" dirty="0"/>
           </a:p>
@@ -5314,7 +5314,7 @@
             <a:fld id="{8C23DAB3-89BF-4980-89CA-7BF97B22868B}" type="slidenum">
               <a:rPr lang="en-US" smtClean="0"/>
               <a:pPr/>
-              <a:t>‹#›</a:t>
+              <a:t>‹Nr.›</a:t>
             </a:fld>
             <a:endParaRPr lang="en-US" dirty="0"/>
           </a:p>
@@ -5641,7 +5641,7 @@
             <a:fld id="{8C23DAB3-89BF-4980-89CA-7BF97B22868B}" type="slidenum">
               <a:rPr lang="en-US" smtClean="0"/>
               <a:pPr/>
-              <a:t>‹#›</a:t>
+              <a:t>‹Nr.›</a:t>
             </a:fld>
             <a:endParaRPr lang="en-US" dirty="0"/>
           </a:p>
@@ -5865,7 +5865,7 @@
             <a:fld id="{8C23DAB3-89BF-4980-89CA-7BF97B22868B}" type="slidenum">
               <a:rPr lang="en-US" smtClean="0"/>
               <a:pPr/>
-              <a:t>‹#›</a:t>
+              <a:t>‹Nr.›</a:t>
             </a:fld>
             <a:endParaRPr lang="en-US" dirty="0"/>
           </a:p>
@@ -6126,7 +6126,7 @@
             <a:fld id="{8C23DAB3-89BF-4980-89CA-7BF97B22868B}" type="slidenum">
               <a:rPr lang="en-US" smtClean="0"/>
               <a:pPr/>
-              <a:t>‹#›</a:t>
+              <a:t>‹Nr.›</a:t>
             </a:fld>
             <a:endParaRPr lang="en-US" dirty="0"/>
           </a:p>
@@ -6392,7 +6392,7 @@
             <a:fld id="{8C23DAB3-89BF-4980-89CA-7BF97B22868B}" type="slidenum">
               <a:rPr lang="en-US" smtClean="0"/>
               <a:pPr/>
-              <a:t>‹#›</a:t>
+              <a:t>‹Nr.›</a:t>
             </a:fld>
             <a:endParaRPr lang="en-US" dirty="0"/>
           </a:p>
@@ -8041,7 +8041,7 @@
             <a:fld id="{8C23DAB3-89BF-4980-89CA-7BF97B22868B}" type="slidenum">
               <a:rPr lang="en-US" smtClean="0"/>
               <a:pPr/>
-              <a:t>‹#›</a:t>
+              <a:t>‹Nr.›</a:t>
             </a:fld>
             <a:endParaRPr lang="en-US" dirty="0"/>
           </a:p>
@@ -8207,7 +8207,7 @@
             <a:fld id="{8C23DAB3-89BF-4980-89CA-7BF97B22868B}" type="slidenum">
               <a:rPr lang="en-US" smtClean="0"/>
               <a:pPr/>
-              <a:t>‹#›</a:t>
+              <a:t>‹Nr.›</a:t>
             </a:fld>
             <a:endParaRPr lang="en-US" dirty="0"/>
           </a:p>
@@ -8452,7 +8452,7 @@
             <a:fld id="{8C23DAB3-89BF-4980-89CA-7BF97B22868B}" type="slidenum">
               <a:rPr lang="en-US" smtClean="0"/>
               <a:pPr/>
-              <a:t>‹#›</a:t>
+              <a:t>‹Nr.›</a:t>
             </a:fld>
             <a:endParaRPr lang="en-US" dirty="0"/>
           </a:p>
@@ -8948,7 +8948,7 @@
             <a:fld id="{8C23DAB3-89BF-4980-89CA-7BF97B22868B}" type="slidenum">
               <a:rPr lang="en-US" smtClean="0"/>
               <a:pPr/>
-              <a:t>‹#›</a:t>
+              <a:t>‹Nr.›</a:t>
             </a:fld>
             <a:endParaRPr lang="en-US" dirty="0"/>
           </a:p>
@@ -9299,7 +9299,7 @@
             <a:fld id="{8C23DAB3-89BF-4980-89CA-7BF97B22868B}" type="slidenum">
               <a:rPr lang="en-US" smtClean="0"/>
               <a:pPr/>
-              <a:t>‹#›</a:t>
+              <a:t>‹Nr.›</a:t>
             </a:fld>
             <a:endParaRPr lang="en-US" dirty="0"/>
           </a:p>
@@ -10007,7 +10007,7 @@
             <a:fld id="{8C23DAB3-89BF-4980-89CA-7BF97B22868B}" type="slidenum">
               <a:rPr lang="en-US" smtClean="0"/>
               <a:pPr/>
-              <a:t>‹#›</a:t>
+              <a:t>‹Nr.›</a:t>
             </a:fld>
             <a:endParaRPr lang="en-US" dirty="0"/>
           </a:p>
@@ -10849,7 +10849,7 @@
           <a:p>
             <a:fld id="{BE7BB122-9C59-4D43-A3C4-192978D0BD6B}" type="datetime1">
               <a:rPr lang="en-US" noProof="0" smtClean="0"/>
-              <a:t>04.02.2026</a:t>
+              <a:t>2/4/2026</a:t>
             </a:fld>
             <a:endParaRPr lang="en-US" noProof="0" dirty="0"/>
           </a:p>
@@ -10918,6 +10918,132 @@
           </a:p>
         </p:txBody>
       </p:sp>
+      <p:pic>
+        <p:nvPicPr>
+          <p:cNvPr id="11" name="Grafik 10" descr="Ein Bild, das Text, Screenshot, Diagramm, Reihe enthält.&#10;&#10;KI-generierte Inhalte können fehlerhaft sein.">
+            <a:extLst>
+              <a:ext uri="{FF2B5EF4-FFF2-40B4-BE49-F238E27FC236}">
+                <a16:creationId xmlns:a16="http://schemas.microsoft.com/office/drawing/2014/main" id="{326E6D4C-86A9-3566-E9FE-FA15230F74B8}"/>
+              </a:ext>
+            </a:extLst>
+          </p:cNvPr>
+          <p:cNvPicPr>
+            <a:picLocks noChangeAspect="1"/>
+          </p:cNvPicPr>
+          <p:nvPr/>
+        </p:nvPicPr>
+        <p:blipFill>
+          <a:blip r:embed="rId2">
+            <a:extLst>
+              <a:ext uri="{28A0092B-C50C-407E-A947-70E740481C1C}">
+                <a14:useLocalDpi xmlns:a14="http://schemas.microsoft.com/office/drawing/2010/main" val="0"/>
+              </a:ext>
+            </a:extLst>
+          </a:blip>
+          <a:stretch>
+            <a:fillRect/>
+          </a:stretch>
+        </p:blipFill>
+        <p:spPr>
+          <a:xfrm>
+            <a:off x="815650" y="820565"/>
+            <a:ext cx="7512700" cy="3780194"/>
+          </a:xfrm>
+          <a:prstGeom prst="rect">
+            <a:avLst/>
+          </a:prstGeom>
+        </p:spPr>
+      </p:pic>
+      <p:cxnSp>
+        <p:nvCxnSpPr>
+          <p:cNvPr id="17" name="Gerader Verbinder 16">
+            <a:extLst>
+              <a:ext uri="{FF2B5EF4-FFF2-40B4-BE49-F238E27FC236}">
+                <a16:creationId xmlns:a16="http://schemas.microsoft.com/office/drawing/2014/main" id="{E77C098F-D9B1-6E4F-1096-1F69177AC319}"/>
+              </a:ext>
+            </a:extLst>
+          </p:cNvPr>
+          <p:cNvCxnSpPr/>
+          <p:nvPr/>
+        </p:nvCxnSpPr>
+        <p:spPr>
+          <a:xfrm flipH="1">
+            <a:off x="815650" y="3952240"/>
+            <a:ext cx="3756350" cy="0"/>
+          </a:xfrm>
+          <a:prstGeom prst="line">
+            <a:avLst/>
+          </a:prstGeom>
+          <a:ln w="19050" cap="flat" cmpd="sng" algn="ctr">
+            <a:solidFill>
+              <a:schemeClr val="dk1"/>
+            </a:solidFill>
+            <a:prstDash val="dash"/>
+            <a:round/>
+            <a:headEnd type="none" w="med" len="med"/>
+            <a:tailEnd type="none" w="med" len="med"/>
+          </a:ln>
+        </p:spPr>
+        <p:style>
+          <a:lnRef idx="0">
+            <a:scrgbClr r="0" g="0" b="0"/>
+          </a:lnRef>
+          <a:fillRef idx="0">
+            <a:scrgbClr r="0" g="0" b="0"/>
+          </a:fillRef>
+          <a:effectRef idx="0">
+            <a:scrgbClr r="0" g="0" b="0"/>
+          </a:effectRef>
+          <a:fontRef idx="minor">
+            <a:schemeClr val="tx1"/>
+          </a:fontRef>
+        </p:style>
+      </p:cxnSp>
+      <p:cxnSp>
+        <p:nvCxnSpPr>
+          <p:cNvPr id="19" name="Gerader Verbinder 18">
+            <a:extLst>
+              <a:ext uri="{FF2B5EF4-FFF2-40B4-BE49-F238E27FC236}">
+                <a16:creationId xmlns:a16="http://schemas.microsoft.com/office/drawing/2014/main" id="{1B771F71-0530-17A0-19EB-58AEAE2735DE}"/>
+              </a:ext>
+            </a:extLst>
+          </p:cNvPr>
+          <p:cNvCxnSpPr/>
+          <p:nvPr/>
+        </p:nvCxnSpPr>
+        <p:spPr>
+          <a:xfrm>
+            <a:off x="5821680" y="3952240"/>
+            <a:ext cx="2479040" cy="0"/>
+          </a:xfrm>
+          <a:prstGeom prst="line">
+            <a:avLst/>
+          </a:prstGeom>
+          <a:ln w="19050" cap="flat" cmpd="sng" algn="ctr">
+            <a:solidFill>
+              <a:schemeClr val="dk1"/>
+            </a:solidFill>
+            <a:prstDash val="dash"/>
+            <a:round/>
+            <a:headEnd type="none" w="med" len="med"/>
+            <a:tailEnd type="none" w="med" len="med"/>
+          </a:ln>
+        </p:spPr>
+        <p:style>
+          <a:lnRef idx="0">
+            <a:scrgbClr r="0" g="0" b="0"/>
+          </a:lnRef>
+          <a:fillRef idx="0">
+            <a:scrgbClr r="0" g="0" b="0"/>
+          </a:fillRef>
+          <a:effectRef idx="0">
+            <a:scrgbClr r="0" g="0" b="0"/>
+          </a:effectRef>
+          <a:fontRef idx="minor">
+            <a:schemeClr val="tx1"/>
+          </a:fontRef>
+        </p:style>
+      </p:cxnSp>
     </p:spTree>
     <p:extLst>
       <p:ext uri="{BB962C8B-B14F-4D97-AF65-F5344CB8AC3E}">

--- a/Slides.pptx
+++ b/Slides.pptx
@@ -6,16 +6,12 @@
     <p:sldMasterId id="2147483702" r:id="rId4"/>
   </p:sldMasterIdLst>
   <p:notesMasterIdLst>
-    <p:notesMasterId r:id="rId12"/>
+    <p:notesMasterId r:id="rId8"/>
   </p:notesMasterIdLst>
   <p:sldIdLst>
     <p:sldId id="256" r:id="rId5"/>
-    <p:sldId id="257" r:id="rId6"/>
-    <p:sldId id="265" r:id="rId7"/>
-    <p:sldId id="266" r:id="rId8"/>
-    <p:sldId id="267" r:id="rId9"/>
-    <p:sldId id="258" r:id="rId10"/>
-    <p:sldId id="264" r:id="rId11"/>
+    <p:sldId id="265" r:id="rId6"/>
+    <p:sldId id="266" r:id="rId7"/>
   </p:sldIdLst>
   <p:sldSz cx="9144000" cy="5145088"/>
   <p:notesSz cx="6858000" cy="9144000"/>
@@ -218,7 +214,7 @@
           <a:p>
             <a:fld id="{FA8F02CA-77CB-4E54-B712-21E588799EE8}" type="datetimeFigureOut">
               <a:rPr lang="de-DE" smtClean="0"/>
-              <a:t>04.02.2026</a:t>
+              <a:t>07.02.2026</a:t>
             </a:fld>
             <a:endParaRPr lang="de-DE"/>
           </a:p>
@@ -550,7 +546,7 @@
           <a:p>
             <a:fld id="{E13F729A-0AF0-4995-B32B-9504BC68960C}" type="slidenum">
               <a:rPr lang="de-DE" smtClean="0"/>
-              <a:t>7</a:t>
+              <a:t>2</a:t>
             </a:fld>
             <a:endParaRPr lang="de-DE"/>
           </a:p>
@@ -559,7 +555,91 @@
     </p:spTree>
     <p:extLst>
       <p:ext uri="{BB962C8B-B14F-4D97-AF65-F5344CB8AC3E}">
-        <p14:creationId xmlns:p14="http://schemas.microsoft.com/office/powerpoint/2010/main" val="1011254552"/>
+        <p14:creationId xmlns:p14="http://schemas.microsoft.com/office/powerpoint/2010/main" val="3360510384"/>
+      </p:ext>
+    </p:extLst>
+  </p:cSld>
+  <p:clrMapOvr>
+    <a:masterClrMapping/>
+  </p:clrMapOvr>
+</p:notes>
+</file>
+
+<file path=ppt/notesSlides/notesSlide2.xml><?xml version="1.0" encoding="utf-8"?>
+<p:notes xmlns:a="http://schemas.openxmlformats.org/drawingml/2006/main" xmlns:r="http://schemas.openxmlformats.org/officeDocument/2006/relationships" xmlns:p="http://schemas.openxmlformats.org/presentationml/2006/main">
+  <p:cSld>
+    <p:spTree>
+      <p:nvGrpSpPr>
+        <p:cNvPr id="1" name=""/>
+        <p:cNvGrpSpPr/>
+        <p:nvPr/>
+      </p:nvGrpSpPr>
+      <p:grpSpPr>
+        <a:xfrm>
+          <a:off x="0" y="0"/>
+          <a:ext cx="0" cy="0"/>
+          <a:chOff x="0" y="0"/>
+          <a:chExt cx="0" cy="0"/>
+        </a:xfrm>
+      </p:grpSpPr>
+      <p:sp>
+        <p:nvSpPr>
+          <p:cNvPr id="2" name="Folienbildplatzhalter 1"/>
+          <p:cNvSpPr>
+            <a:spLocks noGrp="1" noRot="1" noChangeAspect="1"/>
+          </p:cNvSpPr>
+          <p:nvPr>
+            <p:ph type="sldImg"/>
+          </p:nvPr>
+        </p:nvSpPr>
+        <p:spPr/>
+      </p:sp>
+      <p:sp>
+        <p:nvSpPr>
+          <p:cNvPr id="3" name="Notizenplatzhalter 2"/>
+          <p:cNvSpPr>
+            <a:spLocks noGrp="1"/>
+          </p:cNvSpPr>
+          <p:nvPr>
+            <p:ph type="body" idx="1"/>
+          </p:nvPr>
+        </p:nvSpPr>
+        <p:spPr/>
+        <p:txBody>
+          <a:bodyPr/>
+          <a:lstStyle/>
+          <a:p>
+            <a:endParaRPr lang="de-DE" dirty="0"/>
+          </a:p>
+        </p:txBody>
+      </p:sp>
+      <p:sp>
+        <p:nvSpPr>
+          <p:cNvPr id="4" name="Foliennummernplatzhalter 3"/>
+          <p:cNvSpPr>
+            <a:spLocks noGrp="1"/>
+          </p:cNvSpPr>
+          <p:nvPr>
+            <p:ph type="sldNum" sz="quarter" idx="5"/>
+          </p:nvPr>
+        </p:nvSpPr>
+        <p:spPr/>
+        <p:txBody>
+          <a:bodyPr/>
+          <a:lstStyle/>
+          <a:p>
+            <a:fld id="{E13F729A-0AF0-4995-B32B-9504BC68960C}" type="slidenum">
+              <a:rPr lang="de-DE" smtClean="0"/>
+              <a:t>3</a:t>
+            </a:fld>
+            <a:endParaRPr lang="de-DE"/>
+          </a:p>
+        </p:txBody>
+      </p:sp>
+    </p:spTree>
+    <p:extLst>
+      <p:ext uri="{BB962C8B-B14F-4D97-AF65-F5344CB8AC3E}">
+        <p14:creationId xmlns:p14="http://schemas.microsoft.com/office/powerpoint/2010/main" val="458096039"/>
       </p:ext>
     </p:extLst>
   </p:cSld>
@@ -1372,7 +1452,7 @@
           <a:p>
             <a:fld id="{D57FD1C5-5482-48CC-8E60-E26FD7B6F77D}" type="datetime1">
               <a:rPr lang="de-DE" smtClean="0"/>
-              <a:t>04.02.2026</a:t>
+              <a:t>07.02.2026</a:t>
             </a:fld>
             <a:endParaRPr lang="en-US" dirty="0"/>
           </a:p>
@@ -1596,7 +1676,7 @@
           <a:p>
             <a:fld id="{1AD860F7-2B1B-4995-8166-327E72A984C0}" type="datetime1">
               <a:rPr lang="de-DE" smtClean="0"/>
-              <a:t>04.02.2026</a:t>
+              <a:t>07.02.2026</a:t>
             </a:fld>
             <a:endParaRPr lang="en-US" dirty="0"/>
           </a:p>
@@ -1857,7 +1937,7 @@
           <a:p>
             <a:fld id="{9B09DECB-67D6-48BF-893A-F98964382BB9}" type="datetime1">
               <a:rPr lang="de-DE" smtClean="0"/>
-              <a:t>04.02.2026</a:t>
+              <a:t>07.02.2026</a:t>
             </a:fld>
             <a:endParaRPr lang="en-US" dirty="0"/>
           </a:p>
@@ -2123,7 +2203,7 @@
           <a:p>
             <a:fld id="{F8AC57F5-FED6-46DF-8487-CAF45E5F710F}" type="datetime1">
               <a:rPr lang="de-DE" smtClean="0"/>
-              <a:t>04.02.2026</a:t>
+              <a:t>07.02.2026</a:t>
             </a:fld>
             <a:endParaRPr lang="en-US" dirty="0"/>
           </a:p>
@@ -2963,7 +3043,7 @@
           <a:p>
             <a:fld id="{78AABD3F-4165-4346-AB92-84034D4E481A}" type="datetime1">
               <a:rPr lang="de-DE" smtClean="0"/>
-              <a:t>04.02.2026</a:t>
+              <a:t>07.02.2026</a:t>
             </a:fld>
             <a:endParaRPr lang="en-US" dirty="0"/>
           </a:p>
@@ -3198,7 +3278,7 @@
           <a:p>
             <a:fld id="{A1058CAD-93E9-4B3F-918F-B1DA315C574F}" type="datetime1">
               <a:rPr lang="de-DE" smtClean="0"/>
-              <a:t>04.02.2026</a:t>
+              <a:t>07.02.2026</a:t>
             </a:fld>
             <a:endParaRPr lang="en-US" dirty="0"/>
           </a:p>
@@ -3721,7 +3801,7 @@
           <a:p>
             <a:fld id="{7839989C-8337-4B3F-BC9B-4028F92EC145}" type="datetime1">
               <a:rPr lang="de-DE" smtClean="0"/>
-              <a:t>04.02.2026</a:t>
+              <a:t>07.02.2026</a:t>
             </a:fld>
             <a:endParaRPr lang="en-US" dirty="0"/>
           </a:p>
@@ -4090,7 +4170,7 @@
           <a:p>
             <a:fld id="{27367F92-270F-406B-B841-5D4E74FCBCD8}" type="datetime1">
               <a:rPr lang="de-DE" smtClean="0"/>
-              <a:t>04.02.2026</a:t>
+              <a:t>07.02.2026</a:t>
             </a:fld>
             <a:endParaRPr lang="en-US" dirty="0"/>
           </a:p>
@@ -4272,7 +4352,7 @@
           <a:p>
             <a:fld id="{06BDB946-D2CB-48AC-BD1B-C1350556D410}" type="datetime1">
               <a:rPr lang="de-DE" smtClean="0"/>
-              <a:t>04.02.2026</a:t>
+              <a:t>07.02.2026</a:t>
             </a:fld>
             <a:endParaRPr lang="en-US" dirty="0"/>
           </a:p>
@@ -4452,7 +4532,7 @@
           <a:p>
             <a:fld id="{7093DF1E-B8F1-42C9-B833-3E34B4EBF48A}" type="datetime1">
               <a:rPr lang="de-DE" smtClean="0"/>
-              <a:t>04.02.2026</a:t>
+              <a:t>07.02.2026</a:t>
             </a:fld>
             <a:endParaRPr lang="en-US" dirty="0"/>
           </a:p>
@@ -4772,7 +4852,7 @@
           <a:p>
             <a:fld id="{B7300820-224E-410F-B3E6-FB525C641AF6}" type="datetime1">
               <a:rPr lang="de-DE" smtClean="0"/>
-              <a:t>04.02.2026</a:t>
+              <a:t>07.02.2026</a:t>
             </a:fld>
             <a:endParaRPr lang="en-US" dirty="0"/>
           </a:p>
@@ -5268,7 +5348,7 @@
           <a:p>
             <a:fld id="{14E02FAB-04B9-4F69-92B2-0CE568277FC9}" type="datetime1">
               <a:rPr lang="de-DE" smtClean="0"/>
-              <a:t>04.02.2026</a:t>
+              <a:t>07.02.2026</a:t>
             </a:fld>
             <a:endParaRPr lang="en-US" dirty="0"/>
           </a:p>
@@ -5595,7 +5675,7 @@
           <a:p>
             <a:fld id="{97364081-8591-4681-B29B-3E882FC525CC}" type="datetime1">
               <a:rPr lang="de-DE" smtClean="0"/>
-              <a:t>04.02.2026</a:t>
+              <a:t>07.02.2026</a:t>
             </a:fld>
             <a:endParaRPr lang="en-US" dirty="0"/>
           </a:p>
@@ -5819,7 +5899,7 @@
           <a:p>
             <a:fld id="{4AC08F54-256C-494F-BF8B-A2AC274543A3}" type="datetime1">
               <a:rPr lang="de-DE" smtClean="0"/>
-              <a:t>04.02.2026</a:t>
+              <a:t>07.02.2026</a:t>
             </a:fld>
             <a:endParaRPr lang="en-US" dirty="0"/>
           </a:p>
@@ -6080,7 +6160,7 @@
           <a:p>
             <a:fld id="{2199154D-DF3C-4A74-A20C-A8480B658BFE}" type="datetime1">
               <a:rPr lang="de-DE" smtClean="0"/>
-              <a:t>04.02.2026</a:t>
+              <a:t>07.02.2026</a:t>
             </a:fld>
             <a:endParaRPr lang="en-US" dirty="0"/>
           </a:p>
@@ -6346,7 +6426,7 @@
           <a:p>
             <a:fld id="{51EFD8A8-BE2C-4630-9516-263089A3BFAD}" type="datetime1">
               <a:rPr lang="de-DE" smtClean="0"/>
-              <a:t>04.02.2026</a:t>
+              <a:t>07.02.2026</a:t>
             </a:fld>
             <a:endParaRPr lang="en-US" dirty="0"/>
           </a:p>
@@ -6558,7 +6638,7 @@
           <a:p>
             <a:fld id="{2A13EDC8-52DD-4780-83D3-7E91351A7EA8}" type="datetime1">
               <a:rPr lang="de-DE" smtClean="0"/>
-              <a:t>04.02.2026</a:t>
+              <a:t>07.02.2026</a:t>
             </a:fld>
             <a:endParaRPr lang="en-US" dirty="0"/>
           </a:p>
@@ -7117,7 +7197,7 @@
           <a:p>
             <a:fld id="{619BA1B7-32B7-4C1C-B915-6EB270642BF1}" type="datetime1">
               <a:rPr lang="de-DE" smtClean="0"/>
-              <a:t>04.02.2026</a:t>
+              <a:t>07.02.2026</a:t>
             </a:fld>
             <a:endParaRPr lang="en-US" dirty="0"/>
           </a:p>
@@ -7568,7 +7648,7 @@
           <a:p>
             <a:fld id="{9313F20B-96D9-45BB-B1CA-45E0AB0166BB}" type="datetime1">
               <a:rPr lang="de-DE" smtClean="0"/>
-              <a:t>04.02.2026</a:t>
+              <a:t>07.02.2026</a:t>
             </a:fld>
             <a:endParaRPr lang="en-US" dirty="0"/>
           </a:p>
@@ -7995,7 +8075,7 @@
           <a:p>
             <a:fld id="{04A66A9B-F14E-44D7-B7C5-4A294262C4A7}" type="datetime1">
               <a:rPr lang="de-DE" smtClean="0"/>
-              <a:t>04.02.2026</a:t>
+              <a:t>07.02.2026</a:t>
             </a:fld>
             <a:endParaRPr lang="en-US" dirty="0"/>
           </a:p>
@@ -8177,7 +8257,7 @@
           <a:p>
             <a:fld id="{BE7BB122-9C59-4D43-A3C4-192978D0BD6B}" type="datetime1">
               <a:rPr lang="de-DE" smtClean="0"/>
-              <a:t>04.02.2026</a:t>
+              <a:t>07.02.2026</a:t>
             </a:fld>
             <a:endParaRPr lang="en-US" dirty="0"/>
           </a:p>
@@ -8406,7 +8486,7 @@
           <a:p>
             <a:fld id="{C15AAC00-8E0C-4B1B-A4AF-A1DA63AE6355}" type="datetime1">
               <a:rPr lang="de-DE" smtClean="0"/>
-              <a:t>04.02.2026</a:t>
+              <a:t>07.02.2026</a:t>
             </a:fld>
             <a:endParaRPr lang="en-US" dirty="0"/>
           </a:p>
@@ -8902,7 +8982,7 @@
           <a:p>
             <a:fld id="{17094862-1133-48DF-A855-D609FEB942DB}" type="datetime1">
               <a:rPr lang="de-DE" smtClean="0"/>
-              <a:t>04.02.2026</a:t>
+              <a:t>07.02.2026</a:t>
             </a:fld>
             <a:endParaRPr lang="en-US" dirty="0"/>
           </a:p>
@@ -9253,7 +9333,7 @@
           <a:p>
             <a:fld id="{2A0B2085-A16F-48E4-A967-9023A838406F}" type="datetime1">
               <a:rPr lang="de-DE" smtClean="0"/>
-              <a:t>04.02.2026</a:t>
+              <a:t>07.02.2026</a:t>
             </a:fld>
             <a:endParaRPr lang="en-US" dirty="0"/>
           </a:p>
@@ -9961,7 +10041,7 @@
           <a:p>
             <a:fld id="{A3CD3AEF-3D4F-4D92-A66C-D1ACDD8C0850}" type="datetime1">
               <a:rPr lang="de-DE" smtClean="0"/>
-              <a:t>04.02.2026</a:t>
+              <a:t>07.02.2026</a:t>
             </a:fld>
             <a:endParaRPr lang="en-US" dirty="0"/>
           </a:p>
@@ -10600,20 +10680,32 @@
             <p:ph type="body" sz="quarter" idx="14"/>
           </p:nvPr>
         </p:nvSpPr>
-        <p:spPr/>
+        <p:spPr>
+          <a:xfrm>
+            <a:off x="337309" y="2266873"/>
+            <a:ext cx="8465345" cy="509905"/>
+          </a:xfrm>
+        </p:spPr>
         <p:txBody>
           <a:bodyPr/>
           <a:lstStyle/>
           <a:p>
+            <a:pPr algn="l"/>
+            <a:r>
+              <a:rPr lang="de-DE" dirty="0" err="1"/>
+              <a:t>Džejlan</a:t>
+            </a:r>
             <a:r>
               <a:rPr lang="de-DE" dirty="0"/>
-              <a:t>Prof. Dr.-Ing. Mike Barth</a:t>
-            </a:r>
-          </a:p>
-          <a:p>
+              <a:t> </a:t>
+            </a:r>
+            <a:r>
+              <a:rPr lang="de-DE" dirty="0" err="1"/>
+              <a:t>Ždralović</a:t>
+            </a:r>
             <a:r>
               <a:rPr lang="de-DE" dirty="0"/>
-              <a:t>01.01.1970 </a:t>
+              <a:t>, Laurin Lack, Silke Redecker </a:t>
             </a:r>
           </a:p>
         </p:txBody>
@@ -10650,10 +10742,10 @@
       </p:grpSpPr>
       <p:sp>
         <p:nvSpPr>
-          <p:cNvPr id="2" name="Titel 1">
-            <a:extLst>
-              <a:ext uri="{FF2B5EF4-FFF2-40B4-BE49-F238E27FC236}">
-                <a16:creationId xmlns:a16="http://schemas.microsoft.com/office/drawing/2014/main" id="{4D0CA48F-B839-46B8-BB66-17EC4D15C4BE}"/>
+          <p:cNvPr id="2" name="Title 1">
+            <a:extLst>
+              <a:ext uri="{FF2B5EF4-FFF2-40B4-BE49-F238E27FC236}">
+                <a16:creationId xmlns:a16="http://schemas.microsoft.com/office/drawing/2014/main" id="{A3966774-DDCC-8001-78C7-0F68A51BC0C3}"/>
               </a:ext>
             </a:extLst>
           </p:cNvPr>
@@ -10672,26 +10764,26 @@
           <a:lstStyle/>
           <a:p>
             <a:r>
-              <a:rPr lang="de-DE" dirty="0"/>
-              <a:t>Hallo Welt!</a:t>
-            </a:r>
-          </a:p>
-        </p:txBody>
-      </p:sp>
-      <p:sp>
-        <p:nvSpPr>
-          <p:cNvPr id="3" name="Datumsplatzhalter 2">
-            <a:extLst>
-              <a:ext uri="{FF2B5EF4-FFF2-40B4-BE49-F238E27FC236}">
-                <a16:creationId xmlns:a16="http://schemas.microsoft.com/office/drawing/2014/main" id="{839ABBF3-17C2-4AE4-AEF8-E12E30592AB4}"/>
-              </a:ext>
-            </a:extLst>
-          </p:cNvPr>
-          <p:cNvSpPr>
-            <a:spLocks noGrp="1"/>
-          </p:cNvSpPr>
-          <p:nvPr>
-            <p:ph type="dt" sz="half" idx="10"/>
+              <a:rPr lang="en-GB" noProof="0"/>
+              <a:t>System Overview</a:t>
+            </a:r>
+          </a:p>
+        </p:txBody>
+      </p:sp>
+      <p:sp>
+        <p:nvSpPr>
+          <p:cNvPr id="4" name="Slide Number Placeholder 3">
+            <a:extLst>
+              <a:ext uri="{FF2B5EF4-FFF2-40B4-BE49-F238E27FC236}">
+                <a16:creationId xmlns:a16="http://schemas.microsoft.com/office/drawing/2014/main" id="{2565ABC6-4991-AF7E-0E51-B3F425E2FFCD}"/>
+              </a:ext>
+            </a:extLst>
+          </p:cNvPr>
+          <p:cNvSpPr>
+            <a:spLocks noGrp="1"/>
+          </p:cNvSpPr>
+          <p:nvPr>
+            <p:ph type="sldNum" sz="quarter" idx="11"/>
           </p:nvPr>
         </p:nvSpPr>
         <p:spPr/>
@@ -10699,147 +10791,29 @@
           <a:bodyPr/>
           <a:lstStyle/>
           <a:p>
-            <a:fld id="{7C5A274E-F0BE-4B67-AC97-B4B8554759FA}" type="datetime1">
-              <a:rPr lang="de-DE" smtClean="0"/>
-              <a:t>04.02.2026</a:t>
-            </a:fld>
-            <a:endParaRPr lang="en-US" dirty="0"/>
-          </a:p>
-        </p:txBody>
-      </p:sp>
-      <p:sp>
-        <p:nvSpPr>
-          <p:cNvPr id="5" name="Fußzeilenplatzhalter 4">
-            <a:extLst>
-              <a:ext uri="{FF2B5EF4-FFF2-40B4-BE49-F238E27FC236}">
-                <a16:creationId xmlns:a16="http://schemas.microsoft.com/office/drawing/2014/main" id="{77DE1C5C-3DFE-47BD-B2C9-87E06C36AC2D}"/>
-              </a:ext>
-            </a:extLst>
-          </p:cNvPr>
-          <p:cNvSpPr>
-            <a:spLocks noGrp="1"/>
-          </p:cNvSpPr>
-          <p:nvPr>
-            <p:ph type="ftr" sz="quarter" idx="12"/>
-          </p:nvPr>
-        </p:nvSpPr>
-        <p:spPr/>
-        <p:txBody>
-          <a:bodyPr/>
-          <a:lstStyle/>
-          <a:p>
-            <a:r>
-              <a:rPr lang="de-DE"/>
-              <a:t>Prof. Mike Barth || Name 2 || Projekt || Anlass</a:t>
-            </a:r>
-            <a:endParaRPr lang="de-DE" dirty="0"/>
-          </a:p>
-        </p:txBody>
-      </p:sp>
-      <p:sp>
-        <p:nvSpPr>
-          <p:cNvPr id="4" name="Foliennummernplatzhalter 3">
-            <a:extLst>
-              <a:ext uri="{FF2B5EF4-FFF2-40B4-BE49-F238E27FC236}">
-                <a16:creationId xmlns:a16="http://schemas.microsoft.com/office/drawing/2014/main" id="{5BBA3602-8616-9892-ABE7-FB8F48EE25F6}"/>
-              </a:ext>
-            </a:extLst>
-          </p:cNvPr>
-          <p:cNvSpPr>
-            <a:spLocks noGrp="1"/>
-          </p:cNvSpPr>
-          <p:nvPr>
-            <p:ph type="sldNum" sz="quarter" idx="11"/>
-          </p:nvPr>
-        </p:nvSpPr>
-        <p:spPr/>
-        <p:txBody>
-          <a:bodyPr/>
-          <a:lstStyle/>
-          <a:p>
             <a:fld id="{8C23DAB3-89BF-4980-89CA-7BF97B22868B}" type="slidenum">
-              <a:rPr lang="en-US" smtClean="0"/>
+              <a:rPr lang="en-US" noProof="0" smtClean="0"/>
               <a:pPr/>
               <a:t>2</a:t>
             </a:fld>
-            <a:endParaRPr lang="en-US" dirty="0"/>
-          </a:p>
-        </p:txBody>
-      </p:sp>
-    </p:spTree>
-    <p:extLst>
-      <p:ext uri="{BB962C8B-B14F-4D97-AF65-F5344CB8AC3E}">
-        <p14:creationId xmlns:p14="http://schemas.microsoft.com/office/powerpoint/2010/main" val="194053125"/>
-      </p:ext>
-    </p:extLst>
-  </p:cSld>
-  <p:clrMapOvr>
-    <a:masterClrMapping/>
-  </p:clrMapOvr>
-</p:sld>
-</file>
-
-<file path=ppt/slides/slide3.xml><?xml version="1.0" encoding="utf-8"?>
-<p:sld xmlns:a="http://schemas.openxmlformats.org/drawingml/2006/main" xmlns:r="http://schemas.openxmlformats.org/officeDocument/2006/relationships" xmlns:p="http://schemas.openxmlformats.org/presentationml/2006/main">
-  <p:cSld>
-    <p:spTree>
-      <p:nvGrpSpPr>
-        <p:cNvPr id="1" name=""/>
-        <p:cNvGrpSpPr/>
-        <p:nvPr/>
-      </p:nvGrpSpPr>
-      <p:grpSpPr>
-        <a:xfrm>
-          <a:off x="0" y="0"/>
-          <a:ext cx="0" cy="0"/>
-          <a:chOff x="0" y="0"/>
-          <a:chExt cx="0" cy="0"/>
-        </a:xfrm>
-      </p:grpSpPr>
-      <p:sp>
-        <p:nvSpPr>
-          <p:cNvPr id="2" name="Title 1">
-            <a:extLst>
-              <a:ext uri="{FF2B5EF4-FFF2-40B4-BE49-F238E27FC236}">
-                <a16:creationId xmlns:a16="http://schemas.microsoft.com/office/drawing/2014/main" id="{A3966774-DDCC-8001-78C7-0F68A51BC0C3}"/>
-              </a:ext>
-            </a:extLst>
-          </p:cNvPr>
-          <p:cNvSpPr>
-            <a:spLocks noGrp="1"/>
-          </p:cNvSpPr>
-          <p:nvPr>
-            <p:ph type="title"/>
-          </p:nvPr>
-        </p:nvSpPr>
-        <p:spPr/>
-        <p:txBody>
-          <a:bodyPr>
-            <a:normAutofit fontScale="90000"/>
-          </a:bodyPr>
-          <a:lstStyle/>
-          <a:p>
-            <a:r>
-              <a:rPr lang="en-GB" noProof="0"/>
-              <a:t>System Overview</a:t>
-            </a:r>
-          </a:p>
-        </p:txBody>
-      </p:sp>
-      <p:sp>
-        <p:nvSpPr>
-          <p:cNvPr id="3" name="Date Placeholder 2">
-            <a:extLst>
-              <a:ext uri="{FF2B5EF4-FFF2-40B4-BE49-F238E27FC236}">
-                <a16:creationId xmlns:a16="http://schemas.microsoft.com/office/drawing/2014/main" id="{BEF64A0A-6DF2-5229-E89D-EA8F2A3530F7}"/>
-              </a:ext>
-            </a:extLst>
-          </p:cNvPr>
-          <p:cNvSpPr>
-            <a:spLocks noGrp="1"/>
-          </p:cNvSpPr>
-          <p:nvPr>
-            <p:ph type="dt" sz="half" idx="10"/>
+            <a:endParaRPr lang="en-US" noProof="0" dirty="0"/>
+          </a:p>
+        </p:txBody>
+      </p:sp>
+      <p:sp>
+        <p:nvSpPr>
+          <p:cNvPr id="5" name="Footer Placeholder 4">
+            <a:extLst>
+              <a:ext uri="{FF2B5EF4-FFF2-40B4-BE49-F238E27FC236}">
+                <a16:creationId xmlns:a16="http://schemas.microsoft.com/office/drawing/2014/main" id="{EECE5942-3CC2-C36B-7D92-03C910032E80}"/>
+              </a:ext>
+            </a:extLst>
+          </p:cNvPr>
+          <p:cNvSpPr>
+            <a:spLocks noGrp="1"/>
+          </p:cNvSpPr>
+          <p:nvPr>
+            <p:ph type="ftr" sz="quarter" idx="12"/>
           </p:nvPr>
         </p:nvSpPr>
         <p:spPr/>
@@ -10847,74 +10821,10 @@
           <a:bodyPr/>
           <a:lstStyle/>
           <a:p>
-            <a:fld id="{BE7BB122-9C59-4D43-A3C4-192978D0BD6B}" type="datetime1">
-              <a:rPr lang="en-US" noProof="0" smtClean="0"/>
-              <a:t>2/4/2026</a:t>
-            </a:fld>
-            <a:endParaRPr lang="en-US" noProof="0" dirty="0"/>
-          </a:p>
-        </p:txBody>
-      </p:sp>
-      <p:sp>
-        <p:nvSpPr>
-          <p:cNvPr id="4" name="Slide Number Placeholder 3">
-            <a:extLst>
-              <a:ext uri="{FF2B5EF4-FFF2-40B4-BE49-F238E27FC236}">
-                <a16:creationId xmlns:a16="http://schemas.microsoft.com/office/drawing/2014/main" id="{2565ABC6-4991-AF7E-0E51-B3F425E2FFCD}"/>
-              </a:ext>
-            </a:extLst>
-          </p:cNvPr>
-          <p:cNvSpPr>
-            <a:spLocks noGrp="1"/>
-          </p:cNvSpPr>
-          <p:nvPr>
-            <p:ph type="sldNum" sz="quarter" idx="11"/>
-          </p:nvPr>
-        </p:nvSpPr>
-        <p:spPr/>
-        <p:txBody>
-          <a:bodyPr/>
-          <a:lstStyle/>
-          <a:p>
-            <a:fld id="{8C23DAB3-89BF-4980-89CA-7BF97B22868B}" type="slidenum">
-              <a:rPr lang="en-US" noProof="0" smtClean="0"/>
-              <a:pPr/>
-              <a:t>3</a:t>
-            </a:fld>
-            <a:endParaRPr lang="en-US" noProof="0" dirty="0"/>
-          </a:p>
-        </p:txBody>
-      </p:sp>
-      <p:sp>
-        <p:nvSpPr>
-          <p:cNvPr id="5" name="Footer Placeholder 4">
-            <a:extLst>
-              <a:ext uri="{FF2B5EF4-FFF2-40B4-BE49-F238E27FC236}">
-                <a16:creationId xmlns:a16="http://schemas.microsoft.com/office/drawing/2014/main" id="{EECE5942-3CC2-C36B-7D92-03C910032E80}"/>
-              </a:ext>
-            </a:extLst>
-          </p:cNvPr>
-          <p:cNvSpPr>
-            <a:spLocks noGrp="1"/>
-          </p:cNvSpPr>
-          <p:nvPr>
-            <p:ph type="ftr" sz="quarter" idx="12"/>
-          </p:nvPr>
-        </p:nvSpPr>
-        <p:spPr/>
-        <p:txBody>
-          <a:bodyPr/>
-          <a:lstStyle/>
-          <a:p>
             <a:r>
               <a:rPr lang="en-US" noProof="0" dirty="0"/>
-              <a:t>Prof. Mike Barth || Name 2 || Projekt || </a:t>
-            </a:r>
-            <a:r>
-              <a:rPr lang="en-US" noProof="0" dirty="0" err="1"/>
-              <a:t>Anlass</a:t>
-            </a:r>
-            <a:endParaRPr lang="en-US" noProof="0" dirty="0"/>
+              <a:t>Prof. Mike Barth || 2026 || DTE || EV Ranger</a:t>
+            </a:r>
           </a:p>
         </p:txBody>
       </p:sp>
@@ -10933,7 +10843,7 @@
           <p:nvPr/>
         </p:nvPicPr>
         <p:blipFill>
-          <a:blip r:embed="rId2">
+          <a:blip r:embed="rId3">
             <a:extLst>
               <a:ext uri="{28A0092B-C50C-407E-A947-70E740481C1C}">
                 <a14:useLocalDpi xmlns:a14="http://schemas.microsoft.com/office/drawing/2010/main" val="0"/>
@@ -11044,6 +10954,40 @@
           </a:fontRef>
         </p:style>
       </p:cxnSp>
+      <p:sp>
+        <p:nvSpPr>
+          <p:cNvPr id="7" name="Date Placeholder 2">
+            <a:extLst>
+              <a:ext uri="{FF2B5EF4-FFF2-40B4-BE49-F238E27FC236}">
+                <a16:creationId xmlns:a16="http://schemas.microsoft.com/office/drawing/2014/main" id="{E700AFF2-B9BA-5AA9-BC11-B0E48970D260}"/>
+              </a:ext>
+            </a:extLst>
+          </p:cNvPr>
+          <p:cNvSpPr>
+            <a:spLocks noGrp="1"/>
+          </p:cNvSpPr>
+          <p:nvPr>
+            <p:ph type="dt" sz="half" idx="10"/>
+          </p:nvPr>
+        </p:nvSpPr>
+        <p:spPr>
+          <a:xfrm>
+            <a:off x="1751729" y="4717502"/>
+            <a:ext cx="788271" cy="267866"/>
+          </a:xfrm>
+        </p:spPr>
+        <p:txBody>
+          <a:bodyPr/>
+          <a:lstStyle/>
+          <a:p>
+            <a:fld id="{BE7BB122-9C59-4D43-A3C4-192978D0BD6B}" type="datetime1">
+              <a:rPr lang="de-DE" smtClean="0"/>
+              <a:t>07.02.2026</a:t>
+            </a:fld>
+            <a:endParaRPr lang="en-US" dirty="0"/>
+          </a:p>
+        </p:txBody>
+      </p:sp>
     </p:spTree>
     <p:extLst>
       <p:ext uri="{BB962C8B-B14F-4D97-AF65-F5344CB8AC3E}">
@@ -11057,7 +11001,7 @@
 </p:sld>
 </file>
 
-<file path=ppt/slides/slide4.xml><?xml version="1.0" encoding="utf-8"?>
+<file path=ppt/slides/slide3.xml><?xml version="1.0" encoding="utf-8"?>
 <p:sld xmlns:a="http://schemas.openxmlformats.org/drawingml/2006/main" xmlns:r="http://schemas.openxmlformats.org/officeDocument/2006/relationships" xmlns:p="http://schemas.openxmlformats.org/presentationml/2006/main">
   <p:cSld>
     <p:spTree>
@@ -11133,7 +11077,7 @@
           <a:p>
             <a:fld id="{BE7BB122-9C59-4D43-A3C4-192978D0BD6B}" type="datetime1">
               <a:rPr lang="de-DE" smtClean="0"/>
-              <a:t>04.02.2026</a:t>
+              <a:t>07.02.2026</a:t>
             </a:fld>
             <a:endParaRPr lang="en-US" dirty="0"/>
           </a:p>
@@ -11163,7 +11107,7 @@
             <a:fld id="{8C23DAB3-89BF-4980-89CA-7BF97B22868B}" type="slidenum">
               <a:rPr lang="en-US" smtClean="0"/>
               <a:pPr/>
-              <a:t>4</a:t>
+              <a:t>3</a:t>
             </a:fld>
             <a:endParaRPr lang="en-US" dirty="0"/>
           </a:p>
@@ -11191,10 +11135,9 @@
           <a:lstStyle/>
           <a:p>
             <a:r>
-              <a:rPr lang="de-DE"/>
-              <a:t>Prof. Mike Barth || Name 2 || Projekt || Anlass</a:t>
-            </a:r>
-            <a:endParaRPr lang="de-DE" dirty="0"/>
+              <a:rPr lang="en-US" dirty="0"/>
+              <a:t>Prof. Mike Barth || 2026 || DTE || EV Ranger</a:t>
+            </a:r>
           </a:p>
         </p:txBody>
       </p:sp>
@@ -11213,7 +11156,7 @@
           <p:nvPr/>
         </p:nvPicPr>
         <p:blipFill>
-          <a:blip r:embed="rId2"/>
+          <a:blip r:embed="rId3"/>
           <a:stretch>
             <a:fillRect/>
           </a:stretch>
@@ -11266,7 +11209,7 @@
               <a:buSzPct val="80000"/>
               <a:buFontTx/>
               <a:buBlip>
-                <a:blip r:embed="rId3"/>
+                <a:blip r:embed="rId4"/>
               </a:buBlip>
               <a:defRPr lang="de-DE" sz="2000" kern="1200" dirty="0" smtClean="0">
                 <a:solidFill>
@@ -11287,7 +11230,7 @@
               <a:buSzPct val="80000"/>
               <a:buFontTx/>
               <a:buBlip>
-                <a:blip r:embed="rId3"/>
+                <a:blip r:embed="rId4"/>
               </a:buBlip>
               <a:defRPr lang="de-DE" sz="1799" kern="1200" dirty="0" smtClean="0">
                 <a:solidFill>
@@ -11308,7 +11251,7 @@
               <a:buSzPct val="80000"/>
               <a:buFontTx/>
               <a:buBlip>
-                <a:blip r:embed="rId3"/>
+                <a:blip r:embed="rId4"/>
               </a:buBlip>
               <a:defRPr lang="de-DE" sz="1600" kern="1200" dirty="0" smtClean="0">
                 <a:solidFill>
@@ -11329,7 +11272,7 @@
               <a:buSzPct val="80000"/>
               <a:buFontTx/>
               <a:buBlip>
-                <a:blip r:embed="rId3"/>
+                <a:blip r:embed="rId4"/>
               </a:buBlip>
               <a:defRPr lang="de-DE" sz="1600" kern="1200" dirty="0" smtClean="0">
                 <a:solidFill>
@@ -11350,7 +11293,7 @@
               <a:buSzPct val="80000"/>
               <a:buFontTx/>
               <a:buBlip>
-                <a:blip r:embed="rId3"/>
+                <a:blip r:embed="rId4"/>
               </a:buBlip>
               <a:defRPr lang="en-US" sz="1199" kern="1200" dirty="0">
                 <a:solidFill>
@@ -11546,458 +11489,6 @@
   <p:clrMapOvr>
     <a:masterClrMapping/>
   </p:clrMapOvr>
-</p:sld>
-</file>
-
-<file path=ppt/slides/slide5.xml><?xml version="1.0" encoding="utf-8"?>
-<p:sld xmlns:a="http://schemas.openxmlformats.org/drawingml/2006/main" xmlns:r="http://schemas.openxmlformats.org/officeDocument/2006/relationships" xmlns:p="http://schemas.openxmlformats.org/presentationml/2006/main">
-  <p:cSld>
-    <p:spTree>
-      <p:nvGrpSpPr>
-        <p:cNvPr id="1" name="">
-          <a:extLst>
-            <a:ext uri="{FF2B5EF4-FFF2-40B4-BE49-F238E27FC236}">
-              <a16:creationId xmlns:a16="http://schemas.microsoft.com/office/drawing/2014/main" id="{59DFB8A8-9BBB-5379-4A77-26F2F825C911}"/>
-            </a:ext>
-          </a:extLst>
-        </p:cNvPr>
-        <p:cNvGrpSpPr/>
-        <p:nvPr/>
-      </p:nvGrpSpPr>
-      <p:grpSpPr>
-        <a:xfrm>
-          <a:off x="0" y="0"/>
-          <a:ext cx="0" cy="0"/>
-          <a:chOff x="0" y="0"/>
-          <a:chExt cx="0" cy="0"/>
-        </a:xfrm>
-      </p:grpSpPr>
-      <p:sp>
-        <p:nvSpPr>
-          <p:cNvPr id="2" name="Title 1">
-            <a:extLst>
-              <a:ext uri="{FF2B5EF4-FFF2-40B4-BE49-F238E27FC236}">
-                <a16:creationId xmlns:a16="http://schemas.microsoft.com/office/drawing/2014/main" id="{6C8E8FA5-0229-D479-3EEC-BED9ED7C7449}"/>
-              </a:ext>
-            </a:extLst>
-          </p:cNvPr>
-          <p:cNvSpPr>
-            <a:spLocks noGrp="1"/>
-          </p:cNvSpPr>
-          <p:nvPr>
-            <p:ph type="title"/>
-          </p:nvPr>
-        </p:nvSpPr>
-        <p:spPr/>
-        <p:txBody>
-          <a:bodyPr>
-            <a:normAutofit fontScale="90000"/>
-          </a:bodyPr>
-          <a:lstStyle/>
-          <a:p>
-            <a:r>
-              <a:rPr lang="de-DE" dirty="0"/>
-              <a:t>L</a:t>
-            </a:r>
-            <a:endParaRPr lang="en-GB" dirty="0"/>
-          </a:p>
-        </p:txBody>
-      </p:sp>
-      <p:sp>
-        <p:nvSpPr>
-          <p:cNvPr id="3" name="Date Placeholder 2">
-            <a:extLst>
-              <a:ext uri="{FF2B5EF4-FFF2-40B4-BE49-F238E27FC236}">
-                <a16:creationId xmlns:a16="http://schemas.microsoft.com/office/drawing/2014/main" id="{D31206EA-80AF-32DF-CA14-4D642DDFCD6E}"/>
-              </a:ext>
-            </a:extLst>
-          </p:cNvPr>
-          <p:cNvSpPr>
-            <a:spLocks noGrp="1"/>
-          </p:cNvSpPr>
-          <p:nvPr>
-            <p:ph type="dt" sz="half" idx="10"/>
-          </p:nvPr>
-        </p:nvSpPr>
-        <p:spPr/>
-        <p:txBody>
-          <a:bodyPr/>
-          <a:lstStyle/>
-          <a:p>
-            <a:fld id="{BE7BB122-9C59-4D43-A3C4-192978D0BD6B}" type="datetime1">
-              <a:rPr lang="de-DE" smtClean="0"/>
-              <a:t>04.02.2026</a:t>
-            </a:fld>
-            <a:endParaRPr lang="en-US" dirty="0"/>
-          </a:p>
-        </p:txBody>
-      </p:sp>
-      <p:sp>
-        <p:nvSpPr>
-          <p:cNvPr id="4" name="Slide Number Placeholder 3">
-            <a:extLst>
-              <a:ext uri="{FF2B5EF4-FFF2-40B4-BE49-F238E27FC236}">
-                <a16:creationId xmlns:a16="http://schemas.microsoft.com/office/drawing/2014/main" id="{3E5F814B-9775-5018-E4EB-3F6CF07ED107}"/>
-              </a:ext>
-            </a:extLst>
-          </p:cNvPr>
-          <p:cNvSpPr>
-            <a:spLocks noGrp="1"/>
-          </p:cNvSpPr>
-          <p:nvPr>
-            <p:ph type="sldNum" sz="quarter" idx="11"/>
-          </p:nvPr>
-        </p:nvSpPr>
-        <p:spPr/>
-        <p:txBody>
-          <a:bodyPr/>
-          <a:lstStyle/>
-          <a:p>
-            <a:fld id="{8C23DAB3-89BF-4980-89CA-7BF97B22868B}" type="slidenum">
-              <a:rPr lang="en-US" smtClean="0"/>
-              <a:pPr/>
-              <a:t>5</a:t>
-            </a:fld>
-            <a:endParaRPr lang="en-US" dirty="0"/>
-          </a:p>
-        </p:txBody>
-      </p:sp>
-      <p:sp>
-        <p:nvSpPr>
-          <p:cNvPr id="5" name="Footer Placeholder 4">
-            <a:extLst>
-              <a:ext uri="{FF2B5EF4-FFF2-40B4-BE49-F238E27FC236}">
-                <a16:creationId xmlns:a16="http://schemas.microsoft.com/office/drawing/2014/main" id="{29F2F356-76EB-0C91-669E-E9B2F5BAE2E9}"/>
-              </a:ext>
-            </a:extLst>
-          </p:cNvPr>
-          <p:cNvSpPr>
-            <a:spLocks noGrp="1"/>
-          </p:cNvSpPr>
-          <p:nvPr>
-            <p:ph type="ftr" sz="quarter" idx="12"/>
-          </p:nvPr>
-        </p:nvSpPr>
-        <p:spPr/>
-        <p:txBody>
-          <a:bodyPr/>
-          <a:lstStyle/>
-          <a:p>
-            <a:r>
-              <a:rPr lang="de-DE"/>
-              <a:t>Prof. Mike Barth || Name 2 || Projekt || Anlass</a:t>
-            </a:r>
-            <a:endParaRPr lang="de-DE" dirty="0"/>
-          </a:p>
-        </p:txBody>
-      </p:sp>
-    </p:spTree>
-    <p:extLst>
-      <p:ext uri="{BB962C8B-B14F-4D97-AF65-F5344CB8AC3E}">
-        <p14:creationId xmlns:p14="http://schemas.microsoft.com/office/powerpoint/2010/main" val="449802458"/>
-      </p:ext>
-    </p:extLst>
-  </p:cSld>
-  <p:clrMapOvr>
-    <a:masterClrMapping/>
-  </p:clrMapOvr>
-</p:sld>
-</file>
-
-<file path=ppt/slides/slide6.xml><?xml version="1.0" encoding="utf-8"?>
-<p:sld xmlns:a="http://schemas.openxmlformats.org/drawingml/2006/main" xmlns:r="http://schemas.openxmlformats.org/officeDocument/2006/relationships" xmlns:p="http://schemas.openxmlformats.org/presentationml/2006/main">
-  <p:cSld>
-    <p:spTree>
-      <p:nvGrpSpPr>
-        <p:cNvPr id="1" name=""/>
-        <p:cNvGrpSpPr/>
-        <p:nvPr/>
-      </p:nvGrpSpPr>
-      <p:grpSpPr>
-        <a:xfrm>
-          <a:off x="0" y="0"/>
-          <a:ext cx="0" cy="0"/>
-          <a:chOff x="0" y="0"/>
-          <a:chExt cx="0" cy="0"/>
-        </a:xfrm>
-      </p:grpSpPr>
-      <p:sp>
-        <p:nvSpPr>
-          <p:cNvPr id="2" name="Datumsplatzhalter 1">
-            <a:extLst>
-              <a:ext uri="{FF2B5EF4-FFF2-40B4-BE49-F238E27FC236}">
-                <a16:creationId xmlns:a16="http://schemas.microsoft.com/office/drawing/2014/main" id="{DBB5D3CB-6510-44A0-84D2-209A803776DB}"/>
-              </a:ext>
-            </a:extLst>
-          </p:cNvPr>
-          <p:cNvSpPr>
-            <a:spLocks noGrp="1"/>
-          </p:cNvSpPr>
-          <p:nvPr>
-            <p:ph type="dt" sz="half" idx="10"/>
-          </p:nvPr>
-        </p:nvSpPr>
-        <p:spPr/>
-        <p:txBody>
-          <a:bodyPr/>
-          <a:lstStyle/>
-          <a:p>
-            <a:fld id="{785DC742-D542-4506-9A5C-170FBD41552E}" type="datetime1">
-              <a:rPr lang="de-DE" smtClean="0"/>
-              <a:t>04.02.2026</a:t>
-            </a:fld>
-            <a:endParaRPr lang="en-US" dirty="0"/>
-          </a:p>
-        </p:txBody>
-      </p:sp>
-      <p:sp>
-        <p:nvSpPr>
-          <p:cNvPr id="3" name="Fußzeilenplatzhalter 2">
-            <a:extLst>
-              <a:ext uri="{FF2B5EF4-FFF2-40B4-BE49-F238E27FC236}">
-                <a16:creationId xmlns:a16="http://schemas.microsoft.com/office/drawing/2014/main" id="{4135BF22-49C8-4D9B-A370-898A8944D193}"/>
-              </a:ext>
-            </a:extLst>
-          </p:cNvPr>
-          <p:cNvSpPr>
-            <a:spLocks noGrp="1"/>
-          </p:cNvSpPr>
-          <p:nvPr>
-            <p:ph type="ftr" sz="quarter" idx="12"/>
-          </p:nvPr>
-        </p:nvSpPr>
-        <p:spPr/>
-        <p:txBody>
-          <a:bodyPr/>
-          <a:lstStyle/>
-          <a:p>
-            <a:r>
-              <a:rPr lang="de-DE"/>
-              <a:t>Prof. Mike Barth || Name 2 || Projekt || Anlass</a:t>
-            </a:r>
-            <a:endParaRPr lang="de-DE" dirty="0"/>
-          </a:p>
-        </p:txBody>
-      </p:sp>
-      <p:sp>
-        <p:nvSpPr>
-          <p:cNvPr id="4" name="Titel 3">
-            <a:extLst>
-              <a:ext uri="{FF2B5EF4-FFF2-40B4-BE49-F238E27FC236}">
-                <a16:creationId xmlns:a16="http://schemas.microsoft.com/office/drawing/2014/main" id="{BAFE7FDB-5156-41E6-91B8-8270A9DF4136}"/>
-              </a:ext>
-            </a:extLst>
-          </p:cNvPr>
-          <p:cNvSpPr>
-            <a:spLocks noGrp="1"/>
-          </p:cNvSpPr>
-          <p:nvPr>
-            <p:ph type="title"/>
-          </p:nvPr>
-        </p:nvSpPr>
-        <p:spPr/>
-        <p:txBody>
-          <a:bodyPr>
-            <a:normAutofit fontScale="90000"/>
-          </a:bodyPr>
-          <a:lstStyle/>
-          <a:p>
-            <a:r>
-              <a:rPr lang="de-DE" dirty="0" err="1"/>
-              <a:t>Trenner</a:t>
-            </a:r>
-            <a:r>
-              <a:rPr lang="de-DE" dirty="0"/>
-              <a:t>-Element</a:t>
-            </a:r>
-          </a:p>
-        </p:txBody>
-      </p:sp>
-    </p:spTree>
-    <p:extLst>
-      <p:ext uri="{BB962C8B-B14F-4D97-AF65-F5344CB8AC3E}">
-        <p14:creationId xmlns:p14="http://schemas.microsoft.com/office/powerpoint/2010/main" val="3713459055"/>
-      </p:ext>
-    </p:extLst>
-  </p:cSld>
-  <p:clrMapOvr>
-    <a:masterClrMapping/>
-  </p:clrMapOvr>
-</p:sld>
-</file>
-
-<file path=ppt/slides/slide7.xml><?xml version="1.0" encoding="utf-8"?>
-<p:sld xmlns:a="http://schemas.openxmlformats.org/drawingml/2006/main" xmlns:r="http://schemas.openxmlformats.org/officeDocument/2006/relationships" xmlns:p="http://schemas.openxmlformats.org/presentationml/2006/main">
-  <p:cSld>
-    <p:spTree>
-      <p:nvGrpSpPr>
-        <p:cNvPr id="1" name=""/>
-        <p:cNvGrpSpPr/>
-        <p:nvPr/>
-      </p:nvGrpSpPr>
-      <p:grpSpPr>
-        <a:xfrm>
-          <a:off x="0" y="0"/>
-          <a:ext cx="0" cy="0"/>
-          <a:chOff x="0" y="0"/>
-          <a:chExt cx="0" cy="0"/>
-        </a:xfrm>
-      </p:grpSpPr>
-      <p:sp>
-        <p:nvSpPr>
-          <p:cNvPr id="3" name="Datumsplatzhalter 2">
-            <a:extLst>
-              <a:ext uri="{FF2B5EF4-FFF2-40B4-BE49-F238E27FC236}">
-                <a16:creationId xmlns:a16="http://schemas.microsoft.com/office/drawing/2014/main" id="{F8704F78-2723-48E4-8376-1DECD2A2BAF8}"/>
-              </a:ext>
-            </a:extLst>
-          </p:cNvPr>
-          <p:cNvSpPr>
-            <a:spLocks noGrp="1"/>
-          </p:cNvSpPr>
-          <p:nvPr>
-            <p:ph type="dt" sz="half" idx="10"/>
-          </p:nvPr>
-        </p:nvSpPr>
-        <p:spPr/>
-        <p:txBody>
-          <a:bodyPr/>
-          <a:lstStyle/>
-          <a:p>
-            <a:fld id="{661D61FB-E7E0-4047-8BC2-59DD85EC03C0}" type="datetime1">
-              <a:rPr lang="de-DE" smtClean="0"/>
-              <a:t>04.02.2026</a:t>
-            </a:fld>
-            <a:endParaRPr lang="en-US" dirty="0"/>
-          </a:p>
-        </p:txBody>
-      </p:sp>
-      <p:sp>
-        <p:nvSpPr>
-          <p:cNvPr id="4" name="Fußzeilenplatzhalter 3">
-            <a:extLst>
-              <a:ext uri="{FF2B5EF4-FFF2-40B4-BE49-F238E27FC236}">
-                <a16:creationId xmlns:a16="http://schemas.microsoft.com/office/drawing/2014/main" id="{3FF7A115-BCF9-4D69-9A58-CB8D335EA686}"/>
-              </a:ext>
-            </a:extLst>
-          </p:cNvPr>
-          <p:cNvSpPr>
-            <a:spLocks noGrp="1"/>
-          </p:cNvSpPr>
-          <p:nvPr>
-            <p:ph type="ftr" sz="quarter" idx="12"/>
-          </p:nvPr>
-        </p:nvSpPr>
-        <p:spPr/>
-        <p:txBody>
-          <a:bodyPr/>
-          <a:lstStyle/>
-          <a:p>
-            <a:r>
-              <a:rPr lang="de-DE"/>
-              <a:t>Prof. Mike Barth || Name 2 || Projekt || Anlass</a:t>
-            </a:r>
-            <a:endParaRPr lang="de-DE" dirty="0"/>
-          </a:p>
-        </p:txBody>
-      </p:sp>
-      <p:sp>
-        <p:nvSpPr>
-          <p:cNvPr id="9" name="Titel 8">
-            <a:extLst>
-              <a:ext uri="{FF2B5EF4-FFF2-40B4-BE49-F238E27FC236}">
-                <a16:creationId xmlns:a16="http://schemas.microsoft.com/office/drawing/2014/main" id="{813AECEE-6316-4ED6-B60F-E843566B1F73}"/>
-              </a:ext>
-            </a:extLst>
-          </p:cNvPr>
-          <p:cNvSpPr>
-            <a:spLocks noGrp="1"/>
-          </p:cNvSpPr>
-          <p:nvPr>
-            <p:ph type="title"/>
-          </p:nvPr>
-        </p:nvSpPr>
-        <p:spPr/>
-        <p:txBody>
-          <a:bodyPr>
-            <a:normAutofit fontScale="90000"/>
-          </a:bodyPr>
-          <a:lstStyle/>
-          <a:p>
-            <a:r>
-              <a:rPr lang="de-DE" dirty="0" err="1"/>
-              <a:t>Trenner</a:t>
-            </a:r>
-            <a:r>
-              <a:rPr lang="de-DE" dirty="0"/>
-              <a:t> mit Bild </a:t>
-            </a:r>
-            <a:br>
-              <a:rPr lang="de-DE" dirty="0"/>
-            </a:br>
-            <a:r>
-              <a:rPr lang="de-DE" dirty="0"/>
-              <a:t>KIT Form verschnitten</a:t>
-            </a:r>
-          </a:p>
-        </p:txBody>
-      </p:sp>
-      <p:pic>
-        <p:nvPicPr>
-          <p:cNvPr id="7" name="Bildplatzhalter 6">
-            <a:extLst>
-              <a:ext uri="{FF2B5EF4-FFF2-40B4-BE49-F238E27FC236}">
-                <a16:creationId xmlns:a16="http://schemas.microsoft.com/office/drawing/2014/main" id="{FAF19F99-036D-4B48-9BB7-7D6CB83586CB}"/>
-              </a:ext>
-            </a:extLst>
-          </p:cNvPr>
-          <p:cNvPicPr>
-            <a:picLocks noGrp="1" noChangeAspect="1"/>
-          </p:cNvPicPr>
-          <p:nvPr>
-            <p:ph type="pic" sz="quarter" idx="14"/>
-          </p:nvPr>
-        </p:nvPicPr>
-        <p:blipFill rotWithShape="1">
-          <a:blip r:embed="rId3">
-            <a:extLst>
-              <a:ext uri="{28A0092B-C50C-407E-A947-70E740481C1C}">
-                <a14:useLocalDpi xmlns:a14="http://schemas.microsoft.com/office/drawing/2010/main" val="0"/>
-              </a:ext>
-            </a:extLst>
-          </a:blip>
-          <a:srcRect l="12878" t="1923" r="4780" b="34685"/>
-          <a:stretch/>
-        </p:blipFill>
-        <p:spPr>
-          <a:xfrm>
-            <a:off x="5027472" y="1594731"/>
-            <a:ext cx="3856190" cy="2969920"/>
-          </a:xfrm>
-        </p:spPr>
-      </p:pic>
-    </p:spTree>
-    <p:extLst>
-      <p:ext uri="{BB962C8B-B14F-4D97-AF65-F5344CB8AC3E}">
-        <p14:creationId xmlns:p14="http://schemas.microsoft.com/office/powerpoint/2010/main" val="716341371"/>
-      </p:ext>
-    </p:extLst>
-  </p:cSld>
-  <p:clrMapOvr>
-    <a:masterClrMapping/>
-  </p:clrMapOvr>
-  <mc:AlternateContent xmlns:mc="http://schemas.openxmlformats.org/markup-compatibility/2006" xmlns:p159="http://schemas.microsoft.com/office/powerpoint/2015/09/main">
-    <mc:Choice Requires="p159">
-      <p:transition xmlns:p14="http://schemas.microsoft.com/office/powerpoint/2010/main" spd="slow" p14:dur="2000">
-        <p159:morph option="byObject"/>
-      </p:transition>
-    </mc:Choice>
-    <mc:Fallback xmlns="">
-      <p:transition spd="slow">
-        <p:fade/>
-      </p:transition>
-    </mc:Fallback>
-  </mc:AlternateContent>
 </p:sld>
 </file>
 

--- a/Slides.pptx
+++ b/Slides.pptx
@@ -12310,6 +12310,15 @@
 </file>
 
 <file path=customXml/item1.xml><?xml version="1.0" encoding="utf-8"?>
+<?mso-contentType ?>
+<FormTemplates xmlns="http://schemas.microsoft.com/sharepoint/v3/contenttype/forms">
+  <Display>DocumentLibraryForm</Display>
+  <Edit>DocumentLibraryForm</Edit>
+  <New>DocumentLibraryForm</New>
+</FormTemplates>
+</file>
+
+<file path=customXml/item2.xml><?xml version="1.0" encoding="utf-8"?>
 <ct:contentTypeSchema xmlns:ct="http://schemas.microsoft.com/office/2006/metadata/contentType" xmlns:ma="http://schemas.microsoft.com/office/2006/metadata/properties/metaAttributes" ct:_="" ma:_="" ma:contentTypeName="Dokument" ma:contentTypeID="0x010100A41940E3263B0F43AAB675E4990AAEDE" ma:contentTypeVersion="2" ma:contentTypeDescription="Ein neues Dokument erstellen." ma:contentTypeScope="" ma:versionID="fff9d4229d5ceec42a9dca512b798c9c">
   <xsd:schema xmlns:xsd="http://www.w3.org/2001/XMLSchema" xmlns:xs="http://www.w3.org/2001/XMLSchema" xmlns:p="http://schemas.microsoft.com/office/2006/metadata/properties" xmlns:ns2="2fb36c0a-2fd6-4f10-b3ce-29eb93ba117e" targetNamespace="http://schemas.microsoft.com/office/2006/metadata/properties" ma:root="true" ma:fieldsID="9c1c40380bcb45c02c9a390174f20dac" ns2:_="">
     <xsd:import namespace="2fb36c0a-2fd6-4f10-b3ce-29eb93ba117e"/>
@@ -12441,16 +12450,15 @@
 </ct:contentTypeSchema>
 </file>
 
-<file path=customXml/item2.xml><?xml version="1.0" encoding="utf-8"?>
-<?mso-contentType ?>
-<FormTemplates xmlns="http://schemas.microsoft.com/sharepoint/v3/contenttype/forms">
-  <Display>DocumentLibraryForm</Display>
-  <Edit>DocumentLibraryForm</Edit>
-  <New>DocumentLibraryForm</New>
-</FormTemplates>
+<file path=customXml/itemProps1.xml><?xml version="1.0" encoding="utf-8"?>
+<ds:datastoreItem xmlns:ds="http://schemas.openxmlformats.org/officeDocument/2006/customXml" ds:itemID="{89AD1E9E-875E-491B-8AE2-310396B0D8EE}">
+  <ds:schemaRefs>
+    <ds:schemaRef ds:uri="http://schemas.microsoft.com/sharepoint/v3/contenttype/forms"/>
+  </ds:schemaRefs>
+</ds:datastoreItem>
 </file>
 
-<file path=customXml/itemProps1.xml><?xml version="1.0" encoding="utf-8"?>
+<file path=customXml/itemProps2.xml><?xml version="1.0" encoding="utf-8"?>
 <ds:datastoreItem xmlns:ds="http://schemas.openxmlformats.org/officeDocument/2006/customXml" ds:itemID="{4F3BB10A-C073-40D4-8FBF-26E8712FB383}">
   <ds:schemaRefs>
     <ds:schemaRef ds:uri="http://schemas.microsoft.com/office/2006/metadata/contentType"/>
@@ -12468,14 +12476,6 @@
 </ds:datastoreItem>
 </file>
 
-<file path=customXml/itemProps2.xml><?xml version="1.0" encoding="utf-8"?>
-<ds:datastoreItem xmlns:ds="http://schemas.openxmlformats.org/officeDocument/2006/customXml" ds:itemID="{89AD1E9E-875E-491B-8AE2-310396B0D8EE}">
-  <ds:schemaRefs>
-    <ds:schemaRef ds:uri="http://schemas.microsoft.com/sharepoint/v3/contenttype/forms"/>
-  </ds:schemaRefs>
-</ds:datastoreItem>
-</file>
-
 <file path=docMetadata/LabelInfo.xml><?xml version="1.0" encoding="utf-8"?>
 <clbl:labelList xmlns:clbl="http://schemas.microsoft.com/office/2020/mipLabelMetadata">
   <clbl:label id="{b1c9b508-7c6e-42bd-bedf-808292653d6c}" enabled="1" method="Standard" siteId="{2882be50-2012-4d88-ac86-544124e120c8}" contentBits="3" removed="0"/>
